--- a/Proyecto/ARQUITECTURA.pptx
+++ b/Proyecto/ARQUITECTURA.pptx
@@ -262,7 +262,7 @@
           <a:p>
             <a:fld id="{6E6BBADA-9357-49C3-8277-EA5C47F71C2E}" type="datetimeFigureOut">
               <a:rPr lang="es-CL" smtClean="0"/>
-              <a:t>03-01-2021</a:t>
+              <a:t>04-01-2021</a:t>
             </a:fld>
             <a:endParaRPr lang="es-CL"/>
           </a:p>
@@ -462,7 +462,7 @@
           <a:p>
             <a:fld id="{6E6BBADA-9357-49C3-8277-EA5C47F71C2E}" type="datetimeFigureOut">
               <a:rPr lang="es-CL" smtClean="0"/>
-              <a:t>03-01-2021</a:t>
+              <a:t>04-01-2021</a:t>
             </a:fld>
             <a:endParaRPr lang="es-CL"/>
           </a:p>
@@ -672,7 +672,7 @@
           <a:p>
             <a:fld id="{6E6BBADA-9357-49C3-8277-EA5C47F71C2E}" type="datetimeFigureOut">
               <a:rPr lang="es-CL" smtClean="0"/>
-              <a:t>03-01-2021</a:t>
+              <a:t>04-01-2021</a:t>
             </a:fld>
             <a:endParaRPr lang="es-CL"/>
           </a:p>
@@ -872,7 +872,7 @@
           <a:p>
             <a:fld id="{6E6BBADA-9357-49C3-8277-EA5C47F71C2E}" type="datetimeFigureOut">
               <a:rPr lang="es-CL" smtClean="0"/>
-              <a:t>03-01-2021</a:t>
+              <a:t>04-01-2021</a:t>
             </a:fld>
             <a:endParaRPr lang="es-CL"/>
           </a:p>
@@ -1148,7 +1148,7 @@
           <a:p>
             <a:fld id="{6E6BBADA-9357-49C3-8277-EA5C47F71C2E}" type="datetimeFigureOut">
               <a:rPr lang="es-CL" smtClean="0"/>
-              <a:t>03-01-2021</a:t>
+              <a:t>04-01-2021</a:t>
             </a:fld>
             <a:endParaRPr lang="es-CL"/>
           </a:p>
@@ -1416,7 +1416,7 @@
           <a:p>
             <a:fld id="{6E6BBADA-9357-49C3-8277-EA5C47F71C2E}" type="datetimeFigureOut">
               <a:rPr lang="es-CL" smtClean="0"/>
-              <a:t>03-01-2021</a:t>
+              <a:t>04-01-2021</a:t>
             </a:fld>
             <a:endParaRPr lang="es-CL"/>
           </a:p>
@@ -1831,7 +1831,7 @@
           <a:p>
             <a:fld id="{6E6BBADA-9357-49C3-8277-EA5C47F71C2E}" type="datetimeFigureOut">
               <a:rPr lang="es-CL" smtClean="0"/>
-              <a:t>03-01-2021</a:t>
+              <a:t>04-01-2021</a:t>
             </a:fld>
             <a:endParaRPr lang="es-CL"/>
           </a:p>
@@ -1973,7 +1973,7 @@
           <a:p>
             <a:fld id="{6E6BBADA-9357-49C3-8277-EA5C47F71C2E}" type="datetimeFigureOut">
               <a:rPr lang="es-CL" smtClean="0"/>
-              <a:t>03-01-2021</a:t>
+              <a:t>04-01-2021</a:t>
             </a:fld>
             <a:endParaRPr lang="es-CL"/>
           </a:p>
@@ -2086,7 +2086,7 @@
           <a:p>
             <a:fld id="{6E6BBADA-9357-49C3-8277-EA5C47F71C2E}" type="datetimeFigureOut">
               <a:rPr lang="es-CL" smtClean="0"/>
-              <a:t>03-01-2021</a:t>
+              <a:t>04-01-2021</a:t>
             </a:fld>
             <a:endParaRPr lang="es-CL"/>
           </a:p>
@@ -2399,7 +2399,7 @@
           <a:p>
             <a:fld id="{6E6BBADA-9357-49C3-8277-EA5C47F71C2E}" type="datetimeFigureOut">
               <a:rPr lang="es-CL" smtClean="0"/>
-              <a:t>03-01-2021</a:t>
+              <a:t>04-01-2021</a:t>
             </a:fld>
             <a:endParaRPr lang="es-CL"/>
           </a:p>
@@ -2688,7 +2688,7 @@
           <a:p>
             <a:fld id="{6E6BBADA-9357-49C3-8277-EA5C47F71C2E}" type="datetimeFigureOut">
               <a:rPr lang="es-CL" smtClean="0"/>
-              <a:t>03-01-2021</a:t>
+              <a:t>04-01-2021</a:t>
             </a:fld>
             <a:endParaRPr lang="es-CL"/>
           </a:p>
@@ -2931,7 +2931,7 @@
           <a:p>
             <a:fld id="{6E6BBADA-9357-49C3-8277-EA5C47F71C2E}" type="datetimeFigureOut">
               <a:rPr lang="es-CL" smtClean="0"/>
-              <a:t>03-01-2021</a:t>
+              <a:t>04-01-2021</a:t>
             </a:fld>
             <a:endParaRPr lang="es-CL"/>
           </a:p>
@@ -4348,7 +4348,7 @@
                 </a:solidFill>
                 <a:latin typeface="Raleway" pitchFamily="2" charset="0"/>
               </a:rPr>
-              <a:t>NESTOR_SLACK_WRITER</a:t>
+              <a:t>NESTOR_SLACK_ READER</a:t>
             </a:r>
             <a:endParaRPr lang="es-CL" sz="1100" b="1" spc="300" dirty="0">
               <a:solidFill>
@@ -4435,7 +4435,7 @@
                 </a:solidFill>
                 <a:latin typeface="Raleway" pitchFamily="2" charset="0"/>
               </a:rPr>
-              <a:t>NESTOR_SLACK_ READER</a:t>
+              <a:t>NESTOR_SLACK_ WRITER</a:t>
             </a:r>
             <a:endParaRPr lang="es-CL" sz="1100" b="1" spc="300" dirty="0">
               <a:solidFill>
@@ -5204,7 +5204,7 @@
                 </a:solidFill>
                 <a:latin typeface="Raleway" pitchFamily="2" charset="0"/>
               </a:rPr>
-              <a:t>CONSULTA/  LECTURA </a:t>
+              <a:t>CONSULTA/  PETICIÓN </a:t>
             </a:r>
             <a:endParaRPr lang="es-CL" sz="1200" dirty="0">
               <a:solidFill>
@@ -5384,7 +5384,7 @@
           <a:solidFill>
             <a:schemeClr val="bg1"/>
           </a:solidFill>
-          <a:ln w="19050"/>
+          <a:ln w="38100"/>
         </p:spPr>
         <p:style>
           <a:lnRef idx="2">
@@ -5552,7 +5552,7 @@
               <a:rPr lang="es-ES" b="1" spc="300" dirty="0">
                 <a:latin typeface="Raleway" pitchFamily="2" charset="0"/>
               </a:rPr>
-              <a:t>MENSAJES</a:t>
+              <a:t>MENSAJE</a:t>
             </a:r>
             <a:endParaRPr lang="es-CL" b="1" spc="300" dirty="0">
               <a:latin typeface="Raleway" pitchFamily="2" charset="0"/>
@@ -5611,7 +5611,7 @@
               <a:rPr lang="es-ES" b="1" spc="300" dirty="0">
                 <a:latin typeface="Raleway" pitchFamily="2" charset="0"/>
               </a:rPr>
-              <a:t>CANALES</a:t>
+              <a:t>CANAL</a:t>
             </a:r>
             <a:endParaRPr lang="es-CL" b="1" spc="300" dirty="0">
               <a:latin typeface="Raleway" pitchFamily="2" charset="0"/>
@@ -5642,6 +5642,13 @@
           <a:solidFill>
             <a:schemeClr val="bg1"/>
           </a:solidFill>
+          <a:ln>
+            <a:solidFill>
+              <a:schemeClr val="accent1">
+                <a:lumMod val="50000"/>
+              </a:schemeClr>
+            </a:solidFill>
+          </a:ln>
         </p:spPr>
         <p:style>
           <a:lnRef idx="2">
@@ -5688,6 +5695,18 @@
           <a:prstGeom prst="ellipse">
             <a:avLst/>
           </a:prstGeom>
+          <a:solidFill>
+            <a:schemeClr val="accent1">
+              <a:lumMod val="75000"/>
+            </a:schemeClr>
+          </a:solidFill>
+          <a:ln>
+            <a:solidFill>
+              <a:schemeClr val="accent1">
+                <a:lumMod val="50000"/>
+              </a:schemeClr>
+            </a:solidFill>
+          </a:ln>
         </p:spPr>
         <p:style>
           <a:lnRef idx="2">
@@ -5734,6 +5753,18 @@
           <a:prstGeom prst="ellipse">
             <a:avLst/>
           </a:prstGeom>
+          <a:solidFill>
+            <a:schemeClr val="accent1">
+              <a:lumMod val="75000"/>
+            </a:schemeClr>
+          </a:solidFill>
+          <a:ln>
+            <a:solidFill>
+              <a:schemeClr val="accent1">
+                <a:lumMod val="50000"/>
+              </a:schemeClr>
+            </a:solidFill>
+          </a:ln>
         </p:spPr>
         <p:style>
           <a:lnRef idx="2">
@@ -5783,6 +5814,13 @@
           <a:solidFill>
             <a:schemeClr val="bg1"/>
           </a:solidFill>
+          <a:ln>
+            <a:solidFill>
+              <a:schemeClr val="accent1">
+                <a:lumMod val="50000"/>
+              </a:schemeClr>
+            </a:solidFill>
+          </a:ln>
         </p:spPr>
         <p:style>
           <a:lnRef idx="2">
@@ -5829,6 +5867,18 @@
           <a:prstGeom prst="ellipse">
             <a:avLst/>
           </a:prstGeom>
+          <a:solidFill>
+            <a:schemeClr val="accent1">
+              <a:lumMod val="75000"/>
+            </a:schemeClr>
+          </a:solidFill>
+          <a:ln>
+            <a:solidFill>
+              <a:schemeClr val="accent1">
+                <a:lumMod val="50000"/>
+              </a:schemeClr>
+            </a:solidFill>
+          </a:ln>
         </p:spPr>
         <p:style>
           <a:lnRef idx="2">
@@ -5875,6 +5925,18 @@
           <a:prstGeom prst="ellipse">
             <a:avLst/>
           </a:prstGeom>
+          <a:solidFill>
+            <a:schemeClr val="accent1">
+              <a:lumMod val="75000"/>
+            </a:schemeClr>
+          </a:solidFill>
+          <a:ln>
+            <a:solidFill>
+              <a:schemeClr val="accent1">
+                <a:lumMod val="50000"/>
+              </a:schemeClr>
+            </a:solidFill>
+          </a:ln>
         </p:spPr>
         <p:style>
           <a:lnRef idx="2">
@@ -6220,6 +6282,18 @@
           <a:prstGeom prst="ellipse">
             <a:avLst/>
           </a:prstGeom>
+          <a:solidFill>
+            <a:schemeClr val="accent1">
+              <a:lumMod val="75000"/>
+            </a:schemeClr>
+          </a:solidFill>
+          <a:ln>
+            <a:solidFill>
+              <a:schemeClr val="accent1">
+                <a:lumMod val="50000"/>
+              </a:schemeClr>
+            </a:solidFill>
+          </a:ln>
         </p:spPr>
         <p:style>
           <a:lnRef idx="2">
@@ -6266,6 +6340,18 @@
           <a:prstGeom prst="ellipse">
             <a:avLst/>
           </a:prstGeom>
+          <a:solidFill>
+            <a:schemeClr val="accent1">
+              <a:lumMod val="75000"/>
+            </a:schemeClr>
+          </a:solidFill>
+          <a:ln>
+            <a:solidFill>
+              <a:schemeClr val="accent1">
+                <a:lumMod val="50000"/>
+              </a:schemeClr>
+            </a:solidFill>
+          </a:ln>
         </p:spPr>
         <p:style>
           <a:lnRef idx="2">
@@ -6392,6 +6478,18 @@
           <a:prstGeom prst="diamond">
             <a:avLst/>
           </a:prstGeom>
+          <a:solidFill>
+            <a:schemeClr val="accent1">
+              <a:lumMod val="75000"/>
+            </a:schemeClr>
+          </a:solidFill>
+          <a:ln>
+            <a:solidFill>
+              <a:schemeClr val="accent1">
+                <a:lumMod val="50000"/>
+              </a:schemeClr>
+            </a:solidFill>
+          </a:ln>
         </p:spPr>
         <p:style>
           <a:lnRef idx="2">
@@ -6438,6 +6536,18 @@
           <a:prstGeom prst="diamond">
             <a:avLst/>
           </a:prstGeom>
+          <a:solidFill>
+            <a:schemeClr val="accent1">
+              <a:lumMod val="75000"/>
+            </a:schemeClr>
+          </a:solidFill>
+          <a:ln>
+            <a:solidFill>
+              <a:schemeClr val="accent1">
+                <a:lumMod val="50000"/>
+              </a:schemeClr>
+            </a:solidFill>
+          </a:ln>
         </p:spPr>
         <p:style>
           <a:lnRef idx="2">
@@ -6487,6 +6597,11 @@
             <a:avLst/>
           </a:prstGeom>
           <a:ln w="28575">
+            <a:solidFill>
+              <a:schemeClr val="accent1">
+                <a:lumMod val="50000"/>
+              </a:schemeClr>
+            </a:solidFill>
             <a:tailEnd type="triangle"/>
           </a:ln>
         </p:spPr>
@@ -6529,6 +6644,11 @@
             <a:avLst/>
           </a:prstGeom>
           <a:ln w="28575">
+            <a:solidFill>
+              <a:schemeClr val="accent1">
+                <a:lumMod val="50000"/>
+              </a:schemeClr>
+            </a:solidFill>
             <a:tailEnd type="triangle"/>
           </a:ln>
         </p:spPr>
@@ -6571,6 +6691,11 @@
             <a:avLst/>
           </a:prstGeom>
           <a:ln w="28575">
+            <a:solidFill>
+              <a:schemeClr val="accent1">
+                <a:lumMod val="50000"/>
+              </a:schemeClr>
+            </a:solidFill>
             <a:tailEnd type="triangle"/>
           </a:ln>
         </p:spPr>
@@ -6613,6 +6738,11 @@
             <a:avLst/>
           </a:prstGeom>
           <a:ln w="28575">
+            <a:solidFill>
+              <a:schemeClr val="accent1">
+                <a:lumMod val="50000"/>
+              </a:schemeClr>
+            </a:solidFill>
             <a:tailEnd type="triangle"/>
           </a:ln>
         </p:spPr>
@@ -6655,6 +6785,11 @@
             <a:avLst/>
           </a:prstGeom>
           <a:ln w="28575">
+            <a:solidFill>
+              <a:schemeClr val="accent1">
+                <a:lumMod val="50000"/>
+              </a:schemeClr>
+            </a:solidFill>
             <a:tailEnd type="triangle"/>
           </a:ln>
         </p:spPr>
@@ -6697,6 +6832,11 @@
             <a:avLst/>
           </a:prstGeom>
           <a:ln w="28575">
+            <a:solidFill>
+              <a:schemeClr val="accent1">
+                <a:lumMod val="50000"/>
+              </a:schemeClr>
+            </a:solidFill>
             <a:tailEnd type="triangle"/>
           </a:ln>
         </p:spPr>
@@ -6738,6 +6878,11 @@
             <a:avLst/>
           </a:prstGeom>
           <a:ln w="19050">
+            <a:solidFill>
+              <a:schemeClr val="accent1">
+                <a:lumMod val="50000"/>
+              </a:schemeClr>
+            </a:solidFill>
             <a:tailEnd type="triangle"/>
           </a:ln>
         </p:spPr>
@@ -6779,6 +6924,11 @@
             <a:avLst/>
           </a:prstGeom>
           <a:ln w="19050">
+            <a:solidFill>
+              <a:schemeClr val="accent1">
+                <a:lumMod val="50000"/>
+              </a:schemeClr>
+            </a:solidFill>
             <a:tailEnd type="triangle"/>
           </a:ln>
         </p:spPr>
@@ -6820,7 +6970,13 @@
           <a:prstGeom prst="line">
             <a:avLst/>
           </a:prstGeom>
-          <a:ln w="28575"/>
+          <a:ln w="28575">
+            <a:solidFill>
+              <a:schemeClr val="accent1">
+                <a:lumMod val="50000"/>
+              </a:schemeClr>
+            </a:solidFill>
+          </a:ln>
         </p:spPr>
         <p:style>
           <a:lnRef idx="1">
@@ -6861,7 +7017,13 @@
           <a:prstGeom prst="line">
             <a:avLst/>
           </a:prstGeom>
-          <a:ln w="28575"/>
+          <a:ln w="28575">
+            <a:solidFill>
+              <a:schemeClr val="accent1">
+                <a:lumMod val="50000"/>
+              </a:schemeClr>
+            </a:solidFill>
+          </a:ln>
         </p:spPr>
         <p:style>
           <a:lnRef idx="1">
@@ -6901,7 +7063,13 @@
           <a:prstGeom prst="line">
             <a:avLst/>
           </a:prstGeom>
-          <a:ln w="28575"/>
+          <a:ln w="28575">
+            <a:solidFill>
+              <a:schemeClr val="accent1">
+                <a:lumMod val="50000"/>
+              </a:schemeClr>
+            </a:solidFill>
+          </a:ln>
         </p:spPr>
         <p:style>
           <a:lnRef idx="1">
@@ -6942,7 +7110,13 @@
           <a:prstGeom prst="line">
             <a:avLst/>
           </a:prstGeom>
-          <a:ln w="28575"/>
+          <a:ln w="28575">
+            <a:solidFill>
+              <a:schemeClr val="accent1">
+                <a:lumMod val="50000"/>
+              </a:schemeClr>
+            </a:solidFill>
+          </a:ln>
         </p:spPr>
         <p:style>
           <a:lnRef idx="1">
@@ -7096,13 +7270,16 @@
         </p:nvSpPr>
         <p:spPr>
           <a:xfrm>
-            <a:off x="5996205" y="1626796"/>
-            <a:ext cx="1726935" cy="276999"/>
+            <a:off x="6608893" y="1681106"/>
+            <a:ext cx="583214" cy="283552"/>
           </a:xfrm>
           <a:prstGeom prst="rect">
             <a:avLst/>
           </a:prstGeom>
           <a:noFill/>
+          <a:ln>
+            <a:noFill/>
+          </a:ln>
         </p:spPr>
         <p:txBody>
           <a:bodyPr wrap="square">
@@ -7259,6 +7436,151 @@
               <a:solidFill>
                 <a:srgbClr val="2F5597"/>
               </a:solidFill>
+              <a:latin typeface="Raleway" pitchFamily="2" charset="0"/>
+            </a:endParaRPr>
+          </a:p>
+        </p:txBody>
+      </p:sp>
+      <p:sp>
+        <p:nvSpPr>
+          <p:cNvPr id="47" name="Elipse 46">
+            <a:extLst>
+              <a:ext uri="{FF2B5EF4-FFF2-40B4-BE49-F238E27FC236}">
+                <a16:creationId xmlns:a16="http://schemas.microsoft.com/office/drawing/2014/main" id="{E20B920F-3924-43C3-8676-D3D6B87C4AA6}"/>
+              </a:ext>
+            </a:extLst>
+          </p:cNvPr>
+          <p:cNvSpPr/>
+          <p:nvPr/>
+        </p:nvSpPr>
+        <p:spPr>
+          <a:xfrm>
+            <a:off x="2740489" y="4599367"/>
+            <a:ext cx="437581" cy="246184"/>
+          </a:xfrm>
+          <a:prstGeom prst="ellipse">
+            <a:avLst/>
+          </a:prstGeom>
+          <a:solidFill>
+            <a:schemeClr val="accent1">
+              <a:lumMod val="75000"/>
+            </a:schemeClr>
+          </a:solidFill>
+          <a:ln>
+            <a:solidFill>
+              <a:schemeClr val="accent1">
+                <a:lumMod val="50000"/>
+              </a:schemeClr>
+            </a:solidFill>
+          </a:ln>
+        </p:spPr>
+        <p:style>
+          <a:lnRef idx="2">
+            <a:schemeClr val="accent1">
+              <a:shade val="50000"/>
+            </a:schemeClr>
+          </a:lnRef>
+          <a:fillRef idx="1">
+            <a:schemeClr val="accent1"/>
+          </a:fillRef>
+          <a:effectRef idx="0">
+            <a:schemeClr val="accent1"/>
+          </a:effectRef>
+          <a:fontRef idx="minor">
+            <a:schemeClr val="lt1"/>
+          </a:fontRef>
+        </p:style>
+        <p:txBody>
+          <a:bodyPr rtlCol="0" anchor="ctr"/>
+          <a:lstStyle/>
+          <a:p>
+            <a:pPr algn="ctr"/>
+            <a:endParaRPr lang="es-CL"/>
+          </a:p>
+        </p:txBody>
+      </p:sp>
+      <p:cxnSp>
+        <p:nvCxnSpPr>
+          <p:cNvPr id="48" name="Conector: angular 47">
+            <a:extLst>
+              <a:ext uri="{FF2B5EF4-FFF2-40B4-BE49-F238E27FC236}">
+                <a16:creationId xmlns:a16="http://schemas.microsoft.com/office/drawing/2014/main" id="{712A5B80-3DF7-4196-8523-55161510FFC3}"/>
+              </a:ext>
+            </a:extLst>
+          </p:cNvPr>
+          <p:cNvCxnSpPr>
+            <a:cxnSpLocks/>
+            <a:endCxn id="47" idx="2"/>
+          </p:cNvCxnSpPr>
+          <p:nvPr/>
+        </p:nvCxnSpPr>
+        <p:spPr>
+          <a:xfrm rot="16200000" flipH="1">
+            <a:off x="1800162" y="3782132"/>
+            <a:ext cx="1690434" cy="190219"/>
+          </a:xfrm>
+          <a:prstGeom prst="bentConnector2">
+            <a:avLst/>
+          </a:prstGeom>
+          <a:ln w="28575">
+            <a:solidFill>
+              <a:schemeClr val="accent1">
+                <a:lumMod val="50000"/>
+              </a:schemeClr>
+            </a:solidFill>
+            <a:tailEnd type="triangle"/>
+          </a:ln>
+        </p:spPr>
+        <p:style>
+          <a:lnRef idx="1">
+            <a:schemeClr val="accent1"/>
+          </a:lnRef>
+          <a:fillRef idx="0">
+            <a:schemeClr val="accent1"/>
+          </a:fillRef>
+          <a:effectRef idx="0">
+            <a:schemeClr val="accent1"/>
+          </a:effectRef>
+          <a:fontRef idx="minor">
+            <a:schemeClr val="tx1"/>
+          </a:fontRef>
+        </p:style>
+      </p:cxnSp>
+      <p:sp>
+        <p:nvSpPr>
+          <p:cNvPr id="53" name="CuadroTexto 52">
+            <a:extLst>
+              <a:ext uri="{FF2B5EF4-FFF2-40B4-BE49-F238E27FC236}">
+                <a16:creationId xmlns:a16="http://schemas.microsoft.com/office/drawing/2014/main" id="{8D926DCB-5AA1-46D3-BF30-254014FF81A3}"/>
+              </a:ext>
+            </a:extLst>
+          </p:cNvPr>
+          <p:cNvSpPr txBox="1"/>
+          <p:nvPr/>
+        </p:nvSpPr>
+        <p:spPr>
+          <a:xfrm>
+            <a:off x="3210685" y="4583519"/>
+            <a:ext cx="3670368" cy="338554"/>
+          </a:xfrm>
+          <a:prstGeom prst="rect">
+            <a:avLst/>
+          </a:prstGeom>
+          <a:noFill/>
+        </p:spPr>
+        <p:txBody>
+          <a:bodyPr wrap="square">
+            <a:spAutoFit/>
+          </a:bodyPr>
+          <a:lstStyle/>
+          <a:p>
+            <a:r>
+              <a:rPr lang="es-ES" sz="1600" spc="300" dirty="0">
+                <a:latin typeface="Raleway" pitchFamily="2" charset="0"/>
+              </a:rPr>
+              <a:t>DATA</a:t>
+            </a:r>
+            <a:endParaRPr lang="es-CL" sz="1600" spc="300" dirty="0">
               <a:latin typeface="Raleway" pitchFamily="2" charset="0"/>
             </a:endParaRPr>
           </a:p>

--- a/Proyecto/ARQUITECTURA.pptx
+++ b/Proyecto/ARQUITECTURA.pptx
@@ -7,6 +7,7 @@
   <p:sldIdLst>
     <p:sldId id="256" r:id="rId2"/>
     <p:sldId id="257" r:id="rId3"/>
+    <p:sldId id="258" r:id="rId4"/>
   </p:sldIdLst>
   <p:sldSz cx="12192000" cy="6858000"/>
   <p:notesSz cx="6858000" cy="9144000"/>
@@ -262,7 +263,7 @@
           <a:p>
             <a:fld id="{6E6BBADA-9357-49C3-8277-EA5C47F71C2E}" type="datetimeFigureOut">
               <a:rPr lang="es-CL" smtClean="0"/>
-              <a:t>04-01-2021</a:t>
+              <a:t>05-01-2021</a:t>
             </a:fld>
             <a:endParaRPr lang="es-CL"/>
           </a:p>
@@ -462,7 +463,7 @@
           <a:p>
             <a:fld id="{6E6BBADA-9357-49C3-8277-EA5C47F71C2E}" type="datetimeFigureOut">
               <a:rPr lang="es-CL" smtClean="0"/>
-              <a:t>04-01-2021</a:t>
+              <a:t>05-01-2021</a:t>
             </a:fld>
             <a:endParaRPr lang="es-CL"/>
           </a:p>
@@ -672,7 +673,7 @@
           <a:p>
             <a:fld id="{6E6BBADA-9357-49C3-8277-EA5C47F71C2E}" type="datetimeFigureOut">
               <a:rPr lang="es-CL" smtClean="0"/>
-              <a:t>04-01-2021</a:t>
+              <a:t>05-01-2021</a:t>
             </a:fld>
             <a:endParaRPr lang="es-CL"/>
           </a:p>
@@ -872,7 +873,7 @@
           <a:p>
             <a:fld id="{6E6BBADA-9357-49C3-8277-EA5C47F71C2E}" type="datetimeFigureOut">
               <a:rPr lang="es-CL" smtClean="0"/>
-              <a:t>04-01-2021</a:t>
+              <a:t>05-01-2021</a:t>
             </a:fld>
             <a:endParaRPr lang="es-CL"/>
           </a:p>
@@ -1148,7 +1149,7 @@
           <a:p>
             <a:fld id="{6E6BBADA-9357-49C3-8277-EA5C47F71C2E}" type="datetimeFigureOut">
               <a:rPr lang="es-CL" smtClean="0"/>
-              <a:t>04-01-2021</a:t>
+              <a:t>05-01-2021</a:t>
             </a:fld>
             <a:endParaRPr lang="es-CL"/>
           </a:p>
@@ -1416,7 +1417,7 @@
           <a:p>
             <a:fld id="{6E6BBADA-9357-49C3-8277-EA5C47F71C2E}" type="datetimeFigureOut">
               <a:rPr lang="es-CL" smtClean="0"/>
-              <a:t>04-01-2021</a:t>
+              <a:t>05-01-2021</a:t>
             </a:fld>
             <a:endParaRPr lang="es-CL"/>
           </a:p>
@@ -1831,7 +1832,7 @@
           <a:p>
             <a:fld id="{6E6BBADA-9357-49C3-8277-EA5C47F71C2E}" type="datetimeFigureOut">
               <a:rPr lang="es-CL" smtClean="0"/>
-              <a:t>04-01-2021</a:t>
+              <a:t>05-01-2021</a:t>
             </a:fld>
             <a:endParaRPr lang="es-CL"/>
           </a:p>
@@ -1973,7 +1974,7 @@
           <a:p>
             <a:fld id="{6E6BBADA-9357-49C3-8277-EA5C47F71C2E}" type="datetimeFigureOut">
               <a:rPr lang="es-CL" smtClean="0"/>
-              <a:t>04-01-2021</a:t>
+              <a:t>05-01-2021</a:t>
             </a:fld>
             <a:endParaRPr lang="es-CL"/>
           </a:p>
@@ -2086,7 +2087,7 @@
           <a:p>
             <a:fld id="{6E6BBADA-9357-49C3-8277-EA5C47F71C2E}" type="datetimeFigureOut">
               <a:rPr lang="es-CL" smtClean="0"/>
-              <a:t>04-01-2021</a:t>
+              <a:t>05-01-2021</a:t>
             </a:fld>
             <a:endParaRPr lang="es-CL"/>
           </a:p>
@@ -2399,7 +2400,7 @@
           <a:p>
             <a:fld id="{6E6BBADA-9357-49C3-8277-EA5C47F71C2E}" type="datetimeFigureOut">
               <a:rPr lang="es-CL" smtClean="0"/>
-              <a:t>04-01-2021</a:t>
+              <a:t>05-01-2021</a:t>
             </a:fld>
             <a:endParaRPr lang="es-CL"/>
           </a:p>
@@ -2688,7 +2689,7 @@
           <a:p>
             <a:fld id="{6E6BBADA-9357-49C3-8277-EA5C47F71C2E}" type="datetimeFigureOut">
               <a:rPr lang="es-CL" smtClean="0"/>
-              <a:t>04-01-2021</a:t>
+              <a:t>05-01-2021</a:t>
             </a:fld>
             <a:endParaRPr lang="es-CL"/>
           </a:p>
@@ -2931,7 +2932,7 @@
           <a:p>
             <a:fld id="{6E6BBADA-9357-49C3-8277-EA5C47F71C2E}" type="datetimeFigureOut">
               <a:rPr lang="es-CL" smtClean="0"/>
-              <a:t>04-01-2021</a:t>
+              <a:t>05-01-2021</a:t>
             </a:fld>
             <a:endParaRPr lang="es-CL"/>
           </a:p>
@@ -5273,6 +5274,58 @@
           </a:p>
         </p:txBody>
       </p:sp>
+      <p:pic>
+        <p:nvPicPr>
+          <p:cNvPr id="5" name="Picture 4" descr="Flask (web framework) - Wikipedia">
+            <a:extLst>
+              <a:ext uri="{FF2B5EF4-FFF2-40B4-BE49-F238E27FC236}">
+                <a16:creationId xmlns:a16="http://schemas.microsoft.com/office/drawing/2014/main" id="{C01D9B45-6A7C-44F5-B6F7-436A1F01ACDD}"/>
+              </a:ext>
+            </a:extLst>
+          </p:cNvPr>
+          <p:cNvPicPr>
+            <a:picLocks noChangeAspect="1" noChangeArrowheads="1"/>
+          </p:cNvPicPr>
+          <p:nvPr/>
+        </p:nvPicPr>
+        <p:blipFill rotWithShape="1">
+          <a:blip r:embed="rId8">
+            <a:duotone>
+              <a:schemeClr val="accent2">
+                <a:shade val="45000"/>
+                <a:satMod val="135000"/>
+              </a:schemeClr>
+              <a:prstClr val="white"/>
+            </a:duotone>
+            <a:extLst>
+              <a:ext uri="{28A0092B-C50C-407E-A947-70E740481C1C}">
+                <a14:useLocalDpi xmlns:a14="http://schemas.microsoft.com/office/drawing/2010/main" val="0"/>
+              </a:ext>
+            </a:extLst>
+          </a:blip>
+          <a:srcRect r="-4429"/>
+          <a:stretch/>
+        </p:blipFill>
+        <p:spPr bwMode="auto">
+          <a:xfrm>
+            <a:off x="5812854" y="2324983"/>
+            <a:ext cx="583657" cy="218904"/>
+          </a:xfrm>
+          <a:prstGeom prst="rect">
+            <a:avLst/>
+          </a:prstGeom>
+          <a:noFill/>
+          <a:extLst>
+            <a:ext uri="{909E8E84-426E-40DD-AFC4-6F175D3DCCD1}">
+              <a14:hiddenFill xmlns:a14="http://schemas.microsoft.com/office/drawing/2010/main">
+                <a:solidFill>
+                  <a:srgbClr val="FFFFFF"/>
+                </a:solidFill>
+              </a14:hiddenFill>
+            </a:ext>
+          </a:extLst>
+        </p:spPr>
+      </p:pic>
     </p:spTree>
     <p:extLst>
       <p:ext uri="{BB962C8B-B14F-4D97-AF65-F5344CB8AC3E}">
@@ -7590,6 +7643,156 @@
     <p:extLst>
       <p:ext uri="{BB962C8B-B14F-4D97-AF65-F5344CB8AC3E}">
         <p14:creationId xmlns:p14="http://schemas.microsoft.com/office/powerpoint/2010/main" val="607515317"/>
+      </p:ext>
+    </p:extLst>
+  </p:cSld>
+  <p:clrMapOvr>
+    <a:masterClrMapping/>
+  </p:clrMapOvr>
+</p:sld>
+</file>
+
+<file path=ppt/slides/slide3.xml><?xml version="1.0" encoding="utf-8"?>
+<p:sld xmlns:a="http://schemas.openxmlformats.org/drawingml/2006/main" xmlns:r="http://schemas.openxmlformats.org/officeDocument/2006/relationships" xmlns:p="http://schemas.openxmlformats.org/presentationml/2006/main">
+  <p:cSld>
+    <p:spTree>
+      <p:nvGrpSpPr>
+        <p:cNvPr id="1" name=""/>
+        <p:cNvGrpSpPr/>
+        <p:nvPr/>
+      </p:nvGrpSpPr>
+      <p:grpSpPr>
+        <a:xfrm>
+          <a:off x="0" y="0"/>
+          <a:ext cx="0" cy="0"/>
+          <a:chOff x="0" y="0"/>
+          <a:chExt cx="0" cy="0"/>
+        </a:xfrm>
+      </p:grpSpPr>
+      <p:sp>
+        <p:nvSpPr>
+          <p:cNvPr id="4" name="Rectángulo: esquinas redondeadas 3">
+            <a:extLst>
+              <a:ext uri="{FF2B5EF4-FFF2-40B4-BE49-F238E27FC236}">
+                <a16:creationId xmlns:a16="http://schemas.microsoft.com/office/drawing/2014/main" id="{72816E37-31B2-45F9-A0B3-909204A9D836}"/>
+              </a:ext>
+            </a:extLst>
+          </p:cNvPr>
+          <p:cNvSpPr/>
+          <p:nvPr/>
+        </p:nvSpPr>
+        <p:spPr>
+          <a:xfrm>
+            <a:off x="2655278" y="606670"/>
+            <a:ext cx="2620107" cy="1450729"/>
+          </a:xfrm>
+          <a:prstGeom prst="roundRect">
+            <a:avLst>
+              <a:gd name="adj" fmla="val 3940"/>
+            </a:avLst>
+          </a:prstGeom>
+          <a:solidFill>
+            <a:srgbClr val="4A154B"/>
+          </a:solidFill>
+          <a:ln w="38100">
+            <a:solidFill>
+              <a:srgbClr val="FF6600"/>
+            </a:solidFill>
+          </a:ln>
+        </p:spPr>
+        <p:style>
+          <a:lnRef idx="2">
+            <a:schemeClr val="accent1">
+              <a:shade val="50000"/>
+            </a:schemeClr>
+          </a:lnRef>
+          <a:fillRef idx="1">
+            <a:schemeClr val="accent1"/>
+          </a:fillRef>
+          <a:effectRef idx="0">
+            <a:schemeClr val="accent1"/>
+          </a:effectRef>
+          <a:fontRef idx="minor">
+            <a:schemeClr val="lt1"/>
+          </a:fontRef>
+        </p:style>
+        <p:txBody>
+          <a:bodyPr rtlCol="0" anchor="ctr"/>
+          <a:lstStyle/>
+          <a:p>
+            <a:pPr algn="ctr"/>
+            <a:r>
+              <a:rPr lang="es-ES" dirty="0"/>
+              <a:t>Cuando es para sacar información</a:t>
+            </a:r>
+            <a:endParaRPr lang="es-CL" dirty="0"/>
+          </a:p>
+        </p:txBody>
+      </p:sp>
+      <p:sp>
+        <p:nvSpPr>
+          <p:cNvPr id="5" name="Rectángulo: esquinas redondeadas 4">
+            <a:extLst>
+              <a:ext uri="{FF2B5EF4-FFF2-40B4-BE49-F238E27FC236}">
+                <a16:creationId xmlns:a16="http://schemas.microsoft.com/office/drawing/2014/main" id="{BE016295-5EB4-4399-8596-F3003610D45A}"/>
+              </a:ext>
+            </a:extLst>
+          </p:cNvPr>
+          <p:cNvSpPr/>
+          <p:nvPr/>
+        </p:nvSpPr>
+        <p:spPr>
+          <a:xfrm>
+            <a:off x="6690947" y="606670"/>
+            <a:ext cx="2620107" cy="1450729"/>
+          </a:xfrm>
+          <a:prstGeom prst="roundRect">
+            <a:avLst>
+              <a:gd name="adj" fmla="val 5758"/>
+            </a:avLst>
+          </a:prstGeom>
+          <a:solidFill>
+            <a:srgbClr val="4A154B"/>
+          </a:solidFill>
+          <a:ln w="38100">
+            <a:solidFill>
+              <a:srgbClr val="FF6600"/>
+            </a:solidFill>
+          </a:ln>
+        </p:spPr>
+        <p:style>
+          <a:lnRef idx="2">
+            <a:schemeClr val="accent1">
+              <a:shade val="50000"/>
+            </a:schemeClr>
+          </a:lnRef>
+          <a:fillRef idx="1">
+            <a:schemeClr val="accent1"/>
+          </a:fillRef>
+          <a:effectRef idx="0">
+            <a:schemeClr val="accent1"/>
+          </a:effectRef>
+          <a:fontRef idx="minor">
+            <a:schemeClr val="lt1"/>
+          </a:fontRef>
+        </p:style>
+        <p:txBody>
+          <a:bodyPr rtlCol="0" anchor="ctr"/>
+          <a:lstStyle/>
+          <a:p>
+            <a:pPr algn="ctr"/>
+            <a:r>
+              <a:rPr lang="es-ES" dirty="0"/>
+              <a:t>Cuando es un mensaje normal</a:t>
+            </a:r>
+            <a:endParaRPr lang="es-CL" dirty="0"/>
+          </a:p>
+        </p:txBody>
+      </p:sp>
+    </p:spTree>
+    <p:extLst>
+      <p:ext uri="{BB962C8B-B14F-4D97-AF65-F5344CB8AC3E}">
+        <p14:creationId xmlns:p14="http://schemas.microsoft.com/office/powerpoint/2010/main" val="166015492"/>
       </p:ext>
     </p:extLst>
   </p:cSld>

--- a/Proyecto/ARQUITECTURA.pptx
+++ b/Proyecto/ARQUITECTURA.pptx
@@ -7,7 +7,6 @@
   <p:sldIdLst>
     <p:sldId id="256" r:id="rId2"/>
     <p:sldId id="257" r:id="rId3"/>
-    <p:sldId id="258" r:id="rId4"/>
   </p:sldIdLst>
   <p:sldSz cx="12192000" cy="6858000"/>
   <p:notesSz cx="6858000" cy="9144000"/>
@@ -263,7 +262,7 @@
           <a:p>
             <a:fld id="{6E6BBADA-9357-49C3-8277-EA5C47F71C2E}" type="datetimeFigureOut">
               <a:rPr lang="es-CL" smtClean="0"/>
-              <a:t>05-01-2021</a:t>
+              <a:t>08-01-2021</a:t>
             </a:fld>
             <a:endParaRPr lang="es-CL"/>
           </a:p>
@@ -463,7 +462,7 @@
           <a:p>
             <a:fld id="{6E6BBADA-9357-49C3-8277-EA5C47F71C2E}" type="datetimeFigureOut">
               <a:rPr lang="es-CL" smtClean="0"/>
-              <a:t>05-01-2021</a:t>
+              <a:t>08-01-2021</a:t>
             </a:fld>
             <a:endParaRPr lang="es-CL"/>
           </a:p>
@@ -673,7 +672,7 @@
           <a:p>
             <a:fld id="{6E6BBADA-9357-49C3-8277-EA5C47F71C2E}" type="datetimeFigureOut">
               <a:rPr lang="es-CL" smtClean="0"/>
-              <a:t>05-01-2021</a:t>
+              <a:t>08-01-2021</a:t>
             </a:fld>
             <a:endParaRPr lang="es-CL"/>
           </a:p>
@@ -873,7 +872,7 @@
           <a:p>
             <a:fld id="{6E6BBADA-9357-49C3-8277-EA5C47F71C2E}" type="datetimeFigureOut">
               <a:rPr lang="es-CL" smtClean="0"/>
-              <a:t>05-01-2021</a:t>
+              <a:t>08-01-2021</a:t>
             </a:fld>
             <a:endParaRPr lang="es-CL"/>
           </a:p>
@@ -1149,7 +1148,7 @@
           <a:p>
             <a:fld id="{6E6BBADA-9357-49C3-8277-EA5C47F71C2E}" type="datetimeFigureOut">
               <a:rPr lang="es-CL" smtClean="0"/>
-              <a:t>05-01-2021</a:t>
+              <a:t>08-01-2021</a:t>
             </a:fld>
             <a:endParaRPr lang="es-CL"/>
           </a:p>
@@ -1417,7 +1416,7 @@
           <a:p>
             <a:fld id="{6E6BBADA-9357-49C3-8277-EA5C47F71C2E}" type="datetimeFigureOut">
               <a:rPr lang="es-CL" smtClean="0"/>
-              <a:t>05-01-2021</a:t>
+              <a:t>08-01-2021</a:t>
             </a:fld>
             <a:endParaRPr lang="es-CL"/>
           </a:p>
@@ -1832,7 +1831,7 @@
           <a:p>
             <a:fld id="{6E6BBADA-9357-49C3-8277-EA5C47F71C2E}" type="datetimeFigureOut">
               <a:rPr lang="es-CL" smtClean="0"/>
-              <a:t>05-01-2021</a:t>
+              <a:t>08-01-2021</a:t>
             </a:fld>
             <a:endParaRPr lang="es-CL"/>
           </a:p>
@@ -1974,7 +1973,7 @@
           <a:p>
             <a:fld id="{6E6BBADA-9357-49C3-8277-EA5C47F71C2E}" type="datetimeFigureOut">
               <a:rPr lang="es-CL" smtClean="0"/>
-              <a:t>05-01-2021</a:t>
+              <a:t>08-01-2021</a:t>
             </a:fld>
             <a:endParaRPr lang="es-CL"/>
           </a:p>
@@ -2087,7 +2086,7 @@
           <a:p>
             <a:fld id="{6E6BBADA-9357-49C3-8277-EA5C47F71C2E}" type="datetimeFigureOut">
               <a:rPr lang="es-CL" smtClean="0"/>
-              <a:t>05-01-2021</a:t>
+              <a:t>08-01-2021</a:t>
             </a:fld>
             <a:endParaRPr lang="es-CL"/>
           </a:p>
@@ -2400,7 +2399,7 @@
           <a:p>
             <a:fld id="{6E6BBADA-9357-49C3-8277-EA5C47F71C2E}" type="datetimeFigureOut">
               <a:rPr lang="es-CL" smtClean="0"/>
-              <a:t>05-01-2021</a:t>
+              <a:t>08-01-2021</a:t>
             </a:fld>
             <a:endParaRPr lang="es-CL"/>
           </a:p>
@@ -2689,7 +2688,7 @@
           <a:p>
             <a:fld id="{6E6BBADA-9357-49C3-8277-EA5C47F71C2E}" type="datetimeFigureOut">
               <a:rPr lang="es-CL" smtClean="0"/>
-              <a:t>05-01-2021</a:t>
+              <a:t>08-01-2021</a:t>
             </a:fld>
             <a:endParaRPr lang="es-CL"/>
           </a:p>
@@ -2932,7 +2931,7 @@
           <a:p>
             <a:fld id="{6E6BBADA-9357-49C3-8277-EA5C47F71C2E}" type="datetimeFigureOut">
               <a:rPr lang="es-CL" smtClean="0"/>
-              <a:t>05-01-2021</a:t>
+              <a:t>08-01-2021</a:t>
             </a:fld>
             <a:endParaRPr lang="es-CL"/>
           </a:p>
@@ -3457,66 +3456,6 @@
           </a:p>
         </p:txBody>
       </p:sp>
-      <p:sp>
-        <p:nvSpPr>
-          <p:cNvPr id="4" name="Rectángulo: esquinas redondeadas 3">
-            <a:extLst>
-              <a:ext uri="{FF2B5EF4-FFF2-40B4-BE49-F238E27FC236}">
-                <a16:creationId xmlns:a16="http://schemas.microsoft.com/office/drawing/2014/main" id="{3C91C5F6-7928-48B1-A0BF-3AC6CE6A26E1}"/>
-              </a:ext>
-            </a:extLst>
-          </p:cNvPr>
-          <p:cNvSpPr/>
-          <p:nvPr/>
-        </p:nvSpPr>
-        <p:spPr>
-          <a:xfrm>
-            <a:off x="4422807" y="1058860"/>
-            <a:ext cx="7332508" cy="4669788"/>
-          </a:xfrm>
-          <a:prstGeom prst="roundRect">
-            <a:avLst>
-              <a:gd name="adj" fmla="val 736"/>
-            </a:avLst>
-          </a:prstGeom>
-          <a:solidFill>
-            <a:schemeClr val="bg1"/>
-          </a:solidFill>
-          <a:ln>
-            <a:solidFill>
-              <a:srgbClr val="C00000"/>
-            </a:solidFill>
-          </a:ln>
-        </p:spPr>
-        <p:style>
-          <a:lnRef idx="2">
-            <a:schemeClr val="accent6">
-              <a:shade val="50000"/>
-            </a:schemeClr>
-          </a:lnRef>
-          <a:fillRef idx="1">
-            <a:schemeClr val="accent6"/>
-          </a:fillRef>
-          <a:effectRef idx="0">
-            <a:schemeClr val="accent6"/>
-          </a:effectRef>
-          <a:fontRef idx="minor">
-            <a:schemeClr val="lt1"/>
-          </a:fontRef>
-        </p:style>
-        <p:txBody>
-          <a:bodyPr rtlCol="0" anchor="ctr"/>
-          <a:lstStyle/>
-          <a:p>
-            <a:pPr algn="ctr"/>
-            <a:endParaRPr lang="es-CL">
-              <a:solidFill>
-                <a:srgbClr val="00B050"/>
-              </a:solidFill>
-            </a:endParaRPr>
-          </a:p>
-        </p:txBody>
-      </p:sp>
       <p:pic>
         <p:nvPicPr>
           <p:cNvPr id="1026" name="Picture 2" descr="d34u8crftukxnk.cloudfront.net/slackpress/prod/s...">
@@ -3544,12 +3483,12 @@
         </p:blipFill>
         <p:spPr bwMode="auto">
           <a:xfrm>
-            <a:off x="723794" y="2899569"/>
-            <a:ext cx="1899138" cy="1058861"/>
+            <a:off x="500795" y="2874008"/>
+            <a:ext cx="2134672" cy="1190181"/>
           </a:xfrm>
           <a:prstGeom prst="roundRect">
             <a:avLst>
-              <a:gd name="adj" fmla="val 5222"/>
+              <a:gd name="adj" fmla="val 9374"/>
             </a:avLst>
           </a:prstGeom>
           <a:noFill/>
@@ -3578,8 +3517,8 @@
         </p:nvSpPr>
         <p:spPr>
           <a:xfrm>
-            <a:off x="5105332" y="2108077"/>
-            <a:ext cx="1977926" cy="668216"/>
+            <a:off x="4447380" y="2108077"/>
+            <a:ext cx="2367390" cy="668216"/>
           </a:xfrm>
           <a:prstGeom prst="roundRect">
             <a:avLst/>
@@ -3638,8 +3577,8 @@
         </p:nvSpPr>
         <p:spPr>
           <a:xfrm>
-            <a:off x="5076024" y="3904636"/>
-            <a:ext cx="1977926" cy="668216"/>
+            <a:off x="4425528" y="3904636"/>
+            <a:ext cx="2389241" cy="668216"/>
           </a:xfrm>
           <a:prstGeom prst="roundRect">
             <a:avLst/>
@@ -3954,7 +3893,7 @@
         </p:nvSpPr>
         <p:spPr>
           <a:xfrm>
-            <a:off x="723792" y="3002230"/>
+            <a:off x="638755" y="3001074"/>
             <a:ext cx="1899139" cy="382809"/>
           </a:xfrm>
           <a:prstGeom prst="rect">
@@ -3992,7 +3931,7 @@
                     <a:lumMod val="95000"/>
                   </a:schemeClr>
                 </a:solidFill>
-                <a:latin typeface="Montserrat Light" panose="00000400000000000000" pitchFamily="2" charset="0"/>
+                <a:latin typeface="Montserrat SemiBold" panose="00000700000000000000" pitchFamily="2" charset="0"/>
               </a:rPr>
               <a:t>#x_channel</a:t>
             </a:r>
@@ -4002,7 +3941,7 @@
                   <a:lumMod val="95000"/>
                 </a:schemeClr>
               </a:solidFill>
-              <a:latin typeface="Montserrat Light" panose="00000400000000000000" pitchFamily="2" charset="0"/>
+              <a:latin typeface="Montserrat SemiBold" panose="00000700000000000000" pitchFamily="2" charset="0"/>
             </a:endParaRPr>
           </a:p>
         </p:txBody>
@@ -4023,7 +3962,7 @@
         </p:nvSpPr>
         <p:spPr>
           <a:xfrm>
-            <a:off x="-576005" y="3904516"/>
+            <a:off x="-592297" y="4133117"/>
             <a:ext cx="4498732" cy="1058862"/>
           </a:xfrm>
           <a:prstGeom prst="rect">
@@ -4204,7 +4143,7 @@
         </p:nvSpPr>
         <p:spPr>
           <a:xfrm>
-            <a:off x="7447425" y="5113184"/>
+            <a:off x="6418897" y="5208712"/>
             <a:ext cx="1977926" cy="668216"/>
           </a:xfrm>
           <a:prstGeom prst="rect">
@@ -4238,9 +4177,7 @@
             <a:r>
               <a:rPr lang="es-ES" sz="1100" spc="300" dirty="0">
                 <a:solidFill>
-                  <a:schemeClr val="accent1">
-                    <a:lumMod val="50000"/>
-                  </a:schemeClr>
+                  <a:schemeClr val="bg1"/>
                 </a:solidFill>
                 <a:latin typeface="Raleway" pitchFamily="2" charset="0"/>
               </a:rPr>
@@ -4256,9 +4193,7 @@
             <a:r>
               <a:rPr lang="es-ES" sz="1100" b="1" spc="300" dirty="0">
                 <a:solidFill>
-                  <a:schemeClr val="accent1">
-                    <a:lumMod val="50000"/>
-                  </a:schemeClr>
+                  <a:schemeClr val="bg1"/>
                 </a:solidFill>
                 <a:latin typeface="Raleway" pitchFamily="2" charset="0"/>
               </a:rPr>
@@ -4266,9 +4201,7 @@
             </a:r>
             <a:endParaRPr lang="es-CL" sz="1100" b="1" spc="300" dirty="0">
               <a:solidFill>
-                <a:schemeClr val="accent1">
-                  <a:lumMod val="50000"/>
-                </a:schemeClr>
+                <a:schemeClr val="bg1"/>
               </a:solidFill>
               <a:latin typeface="Raleway" pitchFamily="2" charset="0"/>
             </a:endParaRPr>
@@ -4291,8 +4224,8 @@
         </p:nvSpPr>
         <p:spPr>
           <a:xfrm>
-            <a:off x="5105546" y="2854344"/>
-            <a:ext cx="1977926" cy="668216"/>
+            <a:off x="4350579" y="2696920"/>
+            <a:ext cx="2710010" cy="668216"/>
           </a:xfrm>
           <a:prstGeom prst="rect">
             <a:avLst/>
@@ -4325,9 +4258,7 @@
             <a:r>
               <a:rPr lang="es-ES" sz="1100" spc="300" dirty="0">
                 <a:solidFill>
-                  <a:schemeClr val="accent1">
-                    <a:lumMod val="50000"/>
-                  </a:schemeClr>
+                  <a:schemeClr val="bg1"/>
                 </a:solidFill>
                 <a:latin typeface="Raleway" pitchFamily="2" charset="0"/>
               </a:rPr>
@@ -4343,9 +4274,7 @@
             <a:r>
               <a:rPr lang="es-ES" sz="1100" b="1" spc="300" dirty="0">
                 <a:solidFill>
-                  <a:schemeClr val="accent1">
-                    <a:lumMod val="50000"/>
-                  </a:schemeClr>
+                  <a:schemeClr val="bg1"/>
                 </a:solidFill>
                 <a:latin typeface="Raleway" pitchFamily="2" charset="0"/>
               </a:rPr>
@@ -4353,9 +4282,7 @@
             </a:r>
             <a:endParaRPr lang="es-CL" sz="1100" b="1" spc="300" dirty="0">
               <a:solidFill>
-                <a:schemeClr val="accent1">
-                  <a:lumMod val="50000"/>
-                </a:schemeClr>
+                <a:schemeClr val="bg1"/>
               </a:solidFill>
               <a:latin typeface="Raleway" pitchFamily="2" charset="0"/>
             </a:endParaRPr>
@@ -4378,8 +4305,8 @@
         </p:nvSpPr>
         <p:spPr>
           <a:xfrm>
-            <a:off x="5142101" y="4663397"/>
-            <a:ext cx="1977926" cy="668216"/>
+            <a:off x="4299841" y="4516374"/>
+            <a:ext cx="2824243" cy="668216"/>
           </a:xfrm>
           <a:prstGeom prst="rect">
             <a:avLst/>
@@ -4412,9 +4339,7 @@
             <a:r>
               <a:rPr lang="es-ES" sz="1100" spc="300" dirty="0">
                 <a:solidFill>
-                  <a:schemeClr val="accent1">
-                    <a:lumMod val="50000"/>
-                  </a:schemeClr>
+                  <a:schemeClr val="bg1"/>
                 </a:solidFill>
                 <a:latin typeface="Raleway" pitchFamily="2" charset="0"/>
               </a:rPr>
@@ -4430,9 +4355,7 @@
             <a:r>
               <a:rPr lang="es-ES" sz="1100" b="1" spc="300" dirty="0">
                 <a:solidFill>
-                  <a:schemeClr val="accent1">
-                    <a:lumMod val="50000"/>
-                  </a:schemeClr>
+                  <a:schemeClr val="bg1"/>
                 </a:solidFill>
                 <a:latin typeface="Raleway" pitchFamily="2" charset="0"/>
               </a:rPr>
@@ -4440,15 +4363,731 @@
             </a:r>
             <a:endParaRPr lang="es-CL" sz="1100" b="1" spc="300" dirty="0">
               <a:solidFill>
-                <a:schemeClr val="accent1">
-                  <a:lumMod val="50000"/>
-                </a:schemeClr>
+                <a:schemeClr val="bg1"/>
               </a:solidFill>
               <a:latin typeface="Raleway" pitchFamily="2" charset="0"/>
             </a:endParaRPr>
           </a:p>
         </p:txBody>
       </p:sp>
+      <p:cxnSp>
+        <p:nvCxnSpPr>
+          <p:cNvPr id="14" name="Conector recto de flecha 13">
+            <a:extLst>
+              <a:ext uri="{FF2B5EF4-FFF2-40B4-BE49-F238E27FC236}">
+                <a16:creationId xmlns:a16="http://schemas.microsoft.com/office/drawing/2014/main" id="{B55D24EE-22D2-4F83-A59F-97FEEA34A994}"/>
+              </a:ext>
+            </a:extLst>
+          </p:cNvPr>
+          <p:cNvCxnSpPr>
+            <a:cxnSpLocks/>
+          </p:cNvCxnSpPr>
+          <p:nvPr/>
+        </p:nvCxnSpPr>
+        <p:spPr>
+          <a:xfrm flipV="1">
+            <a:off x="2845430" y="2543887"/>
+            <a:ext cx="1514450" cy="581778"/>
+          </a:xfrm>
+          <a:prstGeom prst="straightConnector1">
+            <a:avLst/>
+          </a:prstGeom>
+          <a:ln w="38100">
+            <a:solidFill>
+              <a:srgbClr val="FF6600"/>
+            </a:solidFill>
+            <a:tailEnd type="triangle"/>
+          </a:ln>
+        </p:spPr>
+        <p:style>
+          <a:lnRef idx="1">
+            <a:schemeClr val="accent1"/>
+          </a:lnRef>
+          <a:fillRef idx="0">
+            <a:schemeClr val="accent1"/>
+          </a:fillRef>
+          <a:effectRef idx="0">
+            <a:schemeClr val="accent1"/>
+          </a:effectRef>
+          <a:fontRef idx="minor">
+            <a:schemeClr val="tx1"/>
+          </a:fontRef>
+        </p:style>
+      </p:cxnSp>
+      <p:cxnSp>
+        <p:nvCxnSpPr>
+          <p:cNvPr id="16" name="Conector recto de flecha 15">
+            <a:extLst>
+              <a:ext uri="{FF2B5EF4-FFF2-40B4-BE49-F238E27FC236}">
+                <a16:creationId xmlns:a16="http://schemas.microsoft.com/office/drawing/2014/main" id="{724C7755-D50E-447E-9038-3EBAC667DDEE}"/>
+              </a:ext>
+            </a:extLst>
+          </p:cNvPr>
+          <p:cNvCxnSpPr>
+            <a:cxnSpLocks/>
+          </p:cNvCxnSpPr>
+          <p:nvPr/>
+        </p:nvCxnSpPr>
+        <p:spPr>
+          <a:xfrm flipH="1" flipV="1">
+            <a:off x="2786631" y="3628591"/>
+            <a:ext cx="1577395" cy="502021"/>
+          </a:xfrm>
+          <a:prstGeom prst="straightConnector1">
+            <a:avLst/>
+          </a:prstGeom>
+          <a:ln w="38100">
+            <a:solidFill>
+              <a:srgbClr val="FF6600"/>
+            </a:solidFill>
+            <a:tailEnd type="triangle"/>
+          </a:ln>
+        </p:spPr>
+        <p:style>
+          <a:lnRef idx="1">
+            <a:schemeClr val="accent1"/>
+          </a:lnRef>
+          <a:fillRef idx="0">
+            <a:schemeClr val="accent1"/>
+          </a:fillRef>
+          <a:effectRef idx="0">
+            <a:schemeClr val="accent1"/>
+          </a:effectRef>
+          <a:fontRef idx="minor">
+            <a:schemeClr val="tx1"/>
+          </a:fontRef>
+        </p:style>
+      </p:cxnSp>
+      <p:cxnSp>
+        <p:nvCxnSpPr>
+          <p:cNvPr id="35" name="Conector recto de flecha 34">
+            <a:extLst>
+              <a:ext uri="{FF2B5EF4-FFF2-40B4-BE49-F238E27FC236}">
+                <a16:creationId xmlns:a16="http://schemas.microsoft.com/office/drawing/2014/main" id="{95AA8D17-BA0A-48A5-910D-C6B8E8A203C0}"/>
+              </a:ext>
+            </a:extLst>
+          </p:cNvPr>
+          <p:cNvCxnSpPr>
+            <a:cxnSpLocks/>
+            <a:stCxn id="6" idx="3"/>
+          </p:cNvCxnSpPr>
+          <p:nvPr/>
+        </p:nvCxnSpPr>
+        <p:spPr>
+          <a:xfrm flipV="1">
+            <a:off x="6814770" y="2429695"/>
+            <a:ext cx="804344" cy="12490"/>
+          </a:xfrm>
+          <a:prstGeom prst="straightConnector1">
+            <a:avLst/>
+          </a:prstGeom>
+          <a:ln w="38100">
+            <a:solidFill>
+              <a:srgbClr val="FF6600"/>
+            </a:solidFill>
+            <a:tailEnd type="triangle"/>
+          </a:ln>
+        </p:spPr>
+        <p:style>
+          <a:lnRef idx="1">
+            <a:schemeClr val="accent1"/>
+          </a:lnRef>
+          <a:fillRef idx="0">
+            <a:schemeClr val="accent1"/>
+          </a:fillRef>
+          <a:effectRef idx="0">
+            <a:schemeClr val="accent1"/>
+          </a:effectRef>
+          <a:fontRef idx="minor">
+            <a:schemeClr val="tx1"/>
+          </a:fontRef>
+        </p:style>
+      </p:cxnSp>
+      <p:cxnSp>
+        <p:nvCxnSpPr>
+          <p:cNvPr id="37" name="Conector recto de flecha 36">
+            <a:extLst>
+              <a:ext uri="{FF2B5EF4-FFF2-40B4-BE49-F238E27FC236}">
+                <a16:creationId xmlns:a16="http://schemas.microsoft.com/office/drawing/2014/main" id="{63447596-61F0-4AAC-92E9-C35DBD006592}"/>
+              </a:ext>
+            </a:extLst>
+          </p:cNvPr>
+          <p:cNvCxnSpPr>
+            <a:cxnSpLocks/>
+          </p:cNvCxnSpPr>
+          <p:nvPr/>
+        </p:nvCxnSpPr>
+        <p:spPr>
+          <a:xfrm flipH="1" flipV="1">
+            <a:off x="6627475" y="4238746"/>
+            <a:ext cx="804312" cy="1"/>
+          </a:xfrm>
+          <a:prstGeom prst="straightConnector1">
+            <a:avLst/>
+          </a:prstGeom>
+          <a:ln w="38100">
+            <a:solidFill>
+              <a:srgbClr val="FF6600"/>
+            </a:solidFill>
+            <a:tailEnd type="triangle"/>
+          </a:ln>
+        </p:spPr>
+        <p:style>
+          <a:lnRef idx="1">
+            <a:schemeClr val="accent1"/>
+          </a:lnRef>
+          <a:fillRef idx="0">
+            <a:schemeClr val="accent1"/>
+          </a:fillRef>
+          <a:effectRef idx="0">
+            <a:schemeClr val="accent1"/>
+          </a:effectRef>
+          <a:fontRef idx="minor">
+            <a:schemeClr val="tx1"/>
+          </a:fontRef>
+        </p:style>
+      </p:cxnSp>
+      <p:cxnSp>
+        <p:nvCxnSpPr>
+          <p:cNvPr id="48" name="Conector recto de flecha 47">
+            <a:extLst>
+              <a:ext uri="{FF2B5EF4-FFF2-40B4-BE49-F238E27FC236}">
+                <a16:creationId xmlns:a16="http://schemas.microsoft.com/office/drawing/2014/main" id="{A556D07F-0B54-48A1-9F89-339BC1D7C3EE}"/>
+              </a:ext>
+            </a:extLst>
+          </p:cNvPr>
+          <p:cNvCxnSpPr>
+            <a:cxnSpLocks/>
+          </p:cNvCxnSpPr>
+          <p:nvPr/>
+        </p:nvCxnSpPr>
+        <p:spPr>
+          <a:xfrm flipV="1">
+            <a:off x="10166171" y="3125665"/>
+            <a:ext cx="0" cy="615666"/>
+          </a:xfrm>
+          <a:prstGeom prst="straightConnector1">
+            <a:avLst/>
+          </a:prstGeom>
+          <a:ln w="38100">
+            <a:solidFill>
+              <a:srgbClr val="FF6600"/>
+            </a:solidFill>
+            <a:headEnd type="triangle" w="med" len="med"/>
+            <a:tailEnd type="triangle" w="med" len="med"/>
+          </a:ln>
+        </p:spPr>
+        <p:style>
+          <a:lnRef idx="1">
+            <a:schemeClr val="accent1"/>
+          </a:lnRef>
+          <a:fillRef idx="0">
+            <a:schemeClr val="accent1"/>
+          </a:fillRef>
+          <a:effectRef idx="0">
+            <a:schemeClr val="accent1"/>
+          </a:effectRef>
+          <a:fontRef idx="minor">
+            <a:schemeClr val="tx1"/>
+          </a:fontRef>
+        </p:style>
+      </p:cxnSp>
+      <p:sp>
+        <p:nvSpPr>
+          <p:cNvPr id="67" name="CuadroTexto 66">
+            <a:extLst>
+              <a:ext uri="{FF2B5EF4-FFF2-40B4-BE49-F238E27FC236}">
+                <a16:creationId xmlns:a16="http://schemas.microsoft.com/office/drawing/2014/main" id="{D4F461AF-D2F9-488B-BDF0-8D8E70320BDB}"/>
+              </a:ext>
+            </a:extLst>
+          </p:cNvPr>
+          <p:cNvSpPr txBox="1"/>
+          <p:nvPr/>
+        </p:nvSpPr>
+        <p:spPr>
+          <a:xfrm>
+            <a:off x="2913755" y="3961745"/>
+            <a:ext cx="1242663" cy="276999"/>
+          </a:xfrm>
+          <a:prstGeom prst="rect">
+            <a:avLst/>
+          </a:prstGeom>
+          <a:noFill/>
+          <a:ln>
+            <a:noFill/>
+          </a:ln>
+        </p:spPr>
+        <p:txBody>
+          <a:bodyPr wrap="square">
+            <a:spAutoFit/>
+          </a:bodyPr>
+          <a:lstStyle/>
+          <a:p>
+            <a:pPr algn="ctr"/>
+            <a:r>
+              <a:rPr lang="es-ES" sz="1200" b="1" spc="300" dirty="0">
+                <a:solidFill>
+                  <a:srgbClr val="FF6600"/>
+                </a:solidFill>
+                <a:latin typeface="Raleway" pitchFamily="2" charset="0"/>
+              </a:rPr>
+              <a:t>ESCRIBE</a:t>
+            </a:r>
+            <a:endParaRPr lang="es-CL" sz="1200" dirty="0">
+              <a:solidFill>
+                <a:srgbClr val="FF6600"/>
+              </a:solidFill>
+            </a:endParaRPr>
+          </a:p>
+        </p:txBody>
+      </p:sp>
+      <p:sp>
+        <p:nvSpPr>
+          <p:cNvPr id="68" name="CuadroTexto 67">
+            <a:extLst>
+              <a:ext uri="{FF2B5EF4-FFF2-40B4-BE49-F238E27FC236}">
+                <a16:creationId xmlns:a16="http://schemas.microsoft.com/office/drawing/2014/main" id="{9F8AC7F3-E0AE-43AF-8C15-504DCBD3F066}"/>
+              </a:ext>
+            </a:extLst>
+          </p:cNvPr>
+          <p:cNvSpPr txBox="1"/>
+          <p:nvPr/>
+        </p:nvSpPr>
+        <p:spPr>
+          <a:xfrm>
+            <a:off x="3095914" y="2577345"/>
+            <a:ext cx="718809" cy="276999"/>
+          </a:xfrm>
+          <a:prstGeom prst="rect">
+            <a:avLst/>
+          </a:prstGeom>
+          <a:noFill/>
+          <a:ln>
+            <a:noFill/>
+          </a:ln>
+        </p:spPr>
+        <p:txBody>
+          <a:bodyPr wrap="square">
+            <a:spAutoFit/>
+          </a:bodyPr>
+          <a:lstStyle/>
+          <a:p>
+            <a:pPr algn="ctr"/>
+            <a:r>
+              <a:rPr lang="es-ES" sz="1200" b="1" spc="300" dirty="0">
+                <a:solidFill>
+                  <a:srgbClr val="FF6600"/>
+                </a:solidFill>
+                <a:latin typeface="Raleway" pitchFamily="2" charset="0"/>
+              </a:rPr>
+              <a:t>LEE</a:t>
+            </a:r>
+            <a:endParaRPr lang="es-CL" sz="1200" dirty="0">
+              <a:solidFill>
+                <a:srgbClr val="FF6600"/>
+              </a:solidFill>
+            </a:endParaRPr>
+          </a:p>
+        </p:txBody>
+      </p:sp>
+      <p:sp>
+        <p:nvSpPr>
+          <p:cNvPr id="72" name="CuadroTexto 71">
+            <a:extLst>
+              <a:ext uri="{FF2B5EF4-FFF2-40B4-BE49-F238E27FC236}">
+                <a16:creationId xmlns:a16="http://schemas.microsoft.com/office/drawing/2014/main" id="{9D6847A6-1CF7-41BF-9DB2-81200FCF67B2}"/>
+              </a:ext>
+            </a:extLst>
+          </p:cNvPr>
+          <p:cNvSpPr txBox="1"/>
+          <p:nvPr/>
+        </p:nvSpPr>
+        <p:spPr>
+          <a:xfrm>
+            <a:off x="5979858" y="1727089"/>
+            <a:ext cx="1529928" cy="276999"/>
+          </a:xfrm>
+          <a:prstGeom prst="rect">
+            <a:avLst/>
+          </a:prstGeom>
+          <a:noFill/>
+          <a:ln>
+            <a:noFill/>
+          </a:ln>
+        </p:spPr>
+        <p:txBody>
+          <a:bodyPr wrap="square">
+            <a:spAutoFit/>
+          </a:bodyPr>
+          <a:lstStyle/>
+          <a:p>
+            <a:pPr algn="ctr"/>
+            <a:r>
+              <a:rPr lang="es-ES" sz="1200" b="1" spc="300" dirty="0">
+                <a:solidFill>
+                  <a:schemeClr val="bg1"/>
+                </a:solidFill>
+                <a:latin typeface="Raleway" pitchFamily="2" charset="0"/>
+              </a:rPr>
+              <a:t>PRODUCTOR</a:t>
+            </a:r>
+            <a:endParaRPr lang="es-CL" sz="1200" dirty="0">
+              <a:solidFill>
+                <a:schemeClr val="bg1"/>
+              </a:solidFill>
+            </a:endParaRPr>
+          </a:p>
+        </p:txBody>
+      </p:sp>
+      <p:sp>
+        <p:nvSpPr>
+          <p:cNvPr id="73" name="CuadroTexto 72">
+            <a:extLst>
+              <a:ext uri="{FF2B5EF4-FFF2-40B4-BE49-F238E27FC236}">
+                <a16:creationId xmlns:a16="http://schemas.microsoft.com/office/drawing/2014/main" id="{6B88A365-DA52-4000-92F7-B55DAAAA8AF4}"/>
+              </a:ext>
+            </a:extLst>
+          </p:cNvPr>
+          <p:cNvSpPr txBox="1"/>
+          <p:nvPr/>
+        </p:nvSpPr>
+        <p:spPr>
+          <a:xfrm>
+            <a:off x="5826835" y="3603518"/>
+            <a:ext cx="1694875" cy="276999"/>
+          </a:xfrm>
+          <a:prstGeom prst="rect">
+            <a:avLst/>
+          </a:prstGeom>
+          <a:noFill/>
+          <a:ln>
+            <a:noFill/>
+          </a:ln>
+        </p:spPr>
+        <p:txBody>
+          <a:bodyPr wrap="square">
+            <a:spAutoFit/>
+          </a:bodyPr>
+          <a:lstStyle/>
+          <a:p>
+            <a:pPr algn="ctr"/>
+            <a:r>
+              <a:rPr lang="es-ES" sz="1200" b="1" spc="300" dirty="0">
+                <a:solidFill>
+                  <a:schemeClr val="bg1"/>
+                </a:solidFill>
+                <a:latin typeface="Raleway" pitchFamily="2" charset="0"/>
+              </a:rPr>
+              <a:t>CONSUMIDOR</a:t>
+            </a:r>
+            <a:endParaRPr lang="es-CL" sz="1200" dirty="0">
+              <a:solidFill>
+                <a:schemeClr val="bg1"/>
+              </a:solidFill>
+            </a:endParaRPr>
+          </a:p>
+        </p:txBody>
+      </p:sp>
+      <p:sp>
+        <p:nvSpPr>
+          <p:cNvPr id="74" name="CuadroTexto 73">
+            <a:extLst>
+              <a:ext uri="{FF2B5EF4-FFF2-40B4-BE49-F238E27FC236}">
+                <a16:creationId xmlns:a16="http://schemas.microsoft.com/office/drawing/2014/main" id="{81486DEB-173C-4349-A06C-B6840EA4F99D}"/>
+              </a:ext>
+            </a:extLst>
+          </p:cNvPr>
+          <p:cNvSpPr txBox="1"/>
+          <p:nvPr/>
+        </p:nvSpPr>
+        <p:spPr>
+          <a:xfrm>
+            <a:off x="8747169" y="5171499"/>
+            <a:ext cx="1694875" cy="276999"/>
+          </a:xfrm>
+          <a:prstGeom prst="rect">
+            <a:avLst/>
+          </a:prstGeom>
+          <a:noFill/>
+          <a:ln>
+            <a:noFill/>
+          </a:ln>
+        </p:spPr>
+        <p:txBody>
+          <a:bodyPr wrap="square">
+            <a:spAutoFit/>
+          </a:bodyPr>
+          <a:lstStyle/>
+          <a:p>
+            <a:pPr algn="ctr"/>
+            <a:r>
+              <a:rPr lang="es-ES" sz="1200" b="1" spc="300" dirty="0">
+                <a:solidFill>
+                  <a:schemeClr val="bg1"/>
+                </a:solidFill>
+                <a:latin typeface="Raleway" pitchFamily="2" charset="0"/>
+              </a:rPr>
+              <a:t>CONSUMIDOR</a:t>
+            </a:r>
+            <a:endParaRPr lang="es-CL" sz="1200" dirty="0">
+              <a:solidFill>
+                <a:schemeClr val="bg1"/>
+              </a:solidFill>
+            </a:endParaRPr>
+          </a:p>
+        </p:txBody>
+      </p:sp>
+      <p:sp>
+        <p:nvSpPr>
+          <p:cNvPr id="75" name="CuadroTexto 74">
+            <a:extLst>
+              <a:ext uri="{FF2B5EF4-FFF2-40B4-BE49-F238E27FC236}">
+                <a16:creationId xmlns:a16="http://schemas.microsoft.com/office/drawing/2014/main" id="{B677F5DD-005E-41A7-94DE-B58E62AC69FB}"/>
+              </a:ext>
+            </a:extLst>
+          </p:cNvPr>
+          <p:cNvSpPr txBox="1"/>
+          <p:nvPr/>
+        </p:nvSpPr>
+        <p:spPr>
+          <a:xfrm>
+            <a:off x="8829642" y="5504401"/>
+            <a:ext cx="1529928" cy="276999"/>
+          </a:xfrm>
+          <a:prstGeom prst="rect">
+            <a:avLst/>
+          </a:prstGeom>
+          <a:noFill/>
+          <a:ln>
+            <a:noFill/>
+          </a:ln>
+        </p:spPr>
+        <p:txBody>
+          <a:bodyPr wrap="square">
+            <a:spAutoFit/>
+          </a:bodyPr>
+          <a:lstStyle/>
+          <a:p>
+            <a:pPr algn="ctr"/>
+            <a:r>
+              <a:rPr lang="es-ES" sz="1200" b="1" spc="300" dirty="0">
+                <a:solidFill>
+                  <a:schemeClr val="bg1"/>
+                </a:solidFill>
+                <a:latin typeface="Raleway" pitchFamily="2" charset="0"/>
+              </a:rPr>
+              <a:t>PRODUCTOR</a:t>
+            </a:r>
+            <a:endParaRPr lang="es-CL" sz="1200" dirty="0">
+              <a:solidFill>
+                <a:schemeClr val="bg1"/>
+              </a:solidFill>
+            </a:endParaRPr>
+          </a:p>
+        </p:txBody>
+      </p:sp>
+      <p:sp>
+        <p:nvSpPr>
+          <p:cNvPr id="76" name="CuadroTexto 75">
+            <a:extLst>
+              <a:ext uri="{FF2B5EF4-FFF2-40B4-BE49-F238E27FC236}">
+                <a16:creationId xmlns:a16="http://schemas.microsoft.com/office/drawing/2014/main" id="{5A352C9E-2642-4F49-81E6-BF8597C24050}"/>
+              </a:ext>
+            </a:extLst>
+          </p:cNvPr>
+          <p:cNvSpPr txBox="1"/>
+          <p:nvPr/>
+        </p:nvSpPr>
+        <p:spPr>
+          <a:xfrm>
+            <a:off x="10091887" y="3218631"/>
+            <a:ext cx="1694875" cy="461665"/>
+          </a:xfrm>
+          <a:prstGeom prst="rect">
+            <a:avLst/>
+          </a:prstGeom>
+          <a:noFill/>
+          <a:ln>
+            <a:noFill/>
+          </a:ln>
+        </p:spPr>
+        <p:txBody>
+          <a:bodyPr wrap="square">
+            <a:spAutoFit/>
+          </a:bodyPr>
+          <a:lstStyle/>
+          <a:p>
+            <a:pPr algn="ctr"/>
+            <a:r>
+              <a:rPr lang="es-ES" sz="1200" b="1" spc="300" dirty="0">
+                <a:solidFill>
+                  <a:schemeClr val="bg1"/>
+                </a:solidFill>
+                <a:latin typeface="Raleway" pitchFamily="2" charset="0"/>
+              </a:rPr>
+              <a:t>CONSULTA/  PETICIÓN </a:t>
+            </a:r>
+            <a:endParaRPr lang="es-CL" sz="1200" dirty="0">
+              <a:solidFill>
+                <a:schemeClr val="bg1"/>
+              </a:solidFill>
+            </a:endParaRPr>
+          </a:p>
+        </p:txBody>
+      </p:sp>
+      <p:sp>
+        <p:nvSpPr>
+          <p:cNvPr id="36" name="CuadroTexto 35">
+            <a:extLst>
+              <a:ext uri="{FF2B5EF4-FFF2-40B4-BE49-F238E27FC236}">
+                <a16:creationId xmlns:a16="http://schemas.microsoft.com/office/drawing/2014/main" id="{0CA5E674-C61F-49CC-8840-B6A9D76C8FC9}"/>
+              </a:ext>
+            </a:extLst>
+          </p:cNvPr>
+          <p:cNvSpPr txBox="1"/>
+          <p:nvPr/>
+        </p:nvSpPr>
+        <p:spPr>
+          <a:xfrm>
+            <a:off x="9649472" y="1125734"/>
+            <a:ext cx="1890519" cy="430887"/>
+          </a:xfrm>
+          <a:prstGeom prst="rect">
+            <a:avLst/>
+          </a:prstGeom>
+          <a:noFill/>
+        </p:spPr>
+        <p:txBody>
+          <a:bodyPr wrap="square">
+            <a:spAutoFit/>
+          </a:bodyPr>
+          <a:lstStyle/>
+          <a:p>
+            <a:pPr algn="ctr"/>
+            <a:r>
+              <a:rPr lang="es-ES" sz="1050" b="1" spc="300" dirty="0">
+                <a:solidFill>
+                  <a:schemeClr val="bg1"/>
+                </a:solidFill>
+                <a:latin typeface="Raleway" pitchFamily="2" charset="0"/>
+              </a:rPr>
+              <a:t>BASE DE DATOS</a:t>
+            </a:r>
+          </a:p>
+          <a:p>
+            <a:pPr algn="ctr"/>
+            <a:r>
+              <a:rPr lang="es-ES" sz="1050" spc="300" dirty="0">
+                <a:solidFill>
+                  <a:schemeClr val="bg1"/>
+                </a:solidFill>
+                <a:latin typeface="Raleway" pitchFamily="2" charset="0"/>
+              </a:rPr>
+              <a:t>SlackDatabase</a:t>
+            </a:r>
+            <a:endParaRPr lang="es-CL" sz="1050" spc="300" dirty="0">
+              <a:solidFill>
+                <a:schemeClr val="bg1"/>
+              </a:solidFill>
+              <a:latin typeface="Raleway" pitchFamily="2" charset="0"/>
+            </a:endParaRPr>
+          </a:p>
+        </p:txBody>
+      </p:sp>
+      <p:pic>
+        <p:nvPicPr>
+          <p:cNvPr id="5" name="Picture 4" descr="Flask (web framework) - Wikipedia">
+            <a:extLst>
+              <a:ext uri="{FF2B5EF4-FFF2-40B4-BE49-F238E27FC236}">
+                <a16:creationId xmlns:a16="http://schemas.microsoft.com/office/drawing/2014/main" id="{C01D9B45-6A7C-44F5-B6F7-436A1F01ACDD}"/>
+              </a:ext>
+            </a:extLst>
+          </p:cNvPr>
+          <p:cNvPicPr>
+            <a:picLocks noChangeAspect="1" noChangeArrowheads="1"/>
+          </p:cNvPicPr>
+          <p:nvPr/>
+        </p:nvPicPr>
+        <p:blipFill rotWithShape="1">
+          <a:blip r:embed="rId6">
+            <a:lum bright="70000" contrast="-70000"/>
+            <a:extLst>
+              <a:ext uri="{28A0092B-C50C-407E-A947-70E740481C1C}">
+                <a14:useLocalDpi xmlns:a14="http://schemas.microsoft.com/office/drawing/2010/main" val="0"/>
+              </a:ext>
+            </a:extLst>
+          </a:blip>
+          <a:srcRect r="-4429"/>
+          <a:stretch/>
+        </p:blipFill>
+        <p:spPr bwMode="auto">
+          <a:xfrm>
+            <a:off x="4473854" y="1804755"/>
+            <a:ext cx="583657" cy="218904"/>
+          </a:xfrm>
+          <a:prstGeom prst="rect">
+            <a:avLst/>
+          </a:prstGeom>
+          <a:noFill/>
+          <a:extLst>
+            <a:ext uri="{909E8E84-426E-40DD-AFC4-6F175D3DCCD1}">
+              <a14:hiddenFill xmlns:a14="http://schemas.microsoft.com/office/drawing/2010/main">
+                <a:solidFill>
+                  <a:srgbClr val="FFFFFF"/>
+                </a:solidFill>
+              </a14:hiddenFill>
+            </a:ext>
+          </a:extLst>
+        </p:spPr>
+      </p:pic>
+      <p:cxnSp>
+        <p:nvCxnSpPr>
+          <p:cNvPr id="7" name="Conector: angular 6">
+            <a:extLst>
+              <a:ext uri="{FF2B5EF4-FFF2-40B4-BE49-F238E27FC236}">
+                <a16:creationId xmlns:a16="http://schemas.microsoft.com/office/drawing/2014/main" id="{325D8D48-2BE0-4E7F-B48E-29285C4785CF}"/>
+              </a:ext>
+            </a:extLst>
+          </p:cNvPr>
+          <p:cNvCxnSpPr>
+            <a:stCxn id="9" idx="2"/>
+            <a:endCxn id="11" idx="2"/>
+          </p:cNvCxnSpPr>
+          <p:nvPr/>
+        </p:nvCxnSpPr>
+        <p:spPr>
+          <a:xfrm rot="5400000" flipH="1" flipV="1">
+            <a:off x="9266164" y="3800445"/>
+            <a:ext cx="465774" cy="2204456"/>
+          </a:xfrm>
+          <a:prstGeom prst="bentConnector3">
+            <a:avLst>
+              <a:gd name="adj1" fmla="val -71732"/>
+            </a:avLst>
+          </a:prstGeom>
+          <a:ln w="38100">
+            <a:solidFill>
+              <a:srgbClr val="FF6600"/>
+            </a:solidFill>
+            <a:headEnd type="triangle" w="med" len="med"/>
+            <a:tailEnd type="triangle" w="med" len="med"/>
+          </a:ln>
+        </p:spPr>
+        <p:style>
+          <a:lnRef idx="1">
+            <a:schemeClr val="accent1"/>
+          </a:lnRef>
+          <a:fillRef idx="0">
+            <a:schemeClr val="accent1"/>
+          </a:fillRef>
+          <a:effectRef idx="0">
+            <a:schemeClr val="accent1"/>
+          </a:effectRef>
+          <a:fontRef idx="minor">
+            <a:schemeClr val="tx1"/>
+          </a:fontRef>
+        </p:style>
+      </p:cxnSp>
       <p:sp>
         <p:nvSpPr>
           <p:cNvPr id="27" name="Título 1">
@@ -4465,7 +5104,7 @@
         </p:nvSpPr>
         <p:spPr>
           <a:xfrm>
-            <a:off x="9612316" y="4684101"/>
+            <a:off x="9642943" y="3855927"/>
             <a:ext cx="1977926" cy="668216"/>
           </a:xfrm>
           <a:prstGeom prst="rect">
@@ -4499,9 +5138,7 @@
             <a:r>
               <a:rPr lang="es-ES" sz="1100" spc="300" dirty="0">
                 <a:solidFill>
-                  <a:schemeClr val="accent1">
-                    <a:lumMod val="50000"/>
-                  </a:schemeClr>
+                  <a:srgbClr val="C00000"/>
                 </a:solidFill>
                 <a:latin typeface="Raleway" pitchFamily="2" charset="0"/>
               </a:rPr>
@@ -4517,9 +5154,7 @@
             <a:r>
               <a:rPr lang="es-ES" sz="1100" b="1" spc="300" dirty="0">
                 <a:solidFill>
-                  <a:schemeClr val="accent1">
-                    <a:lumMod val="50000"/>
-                  </a:schemeClr>
+                  <a:srgbClr val="C00000"/>
                 </a:solidFill>
                 <a:latin typeface="Raleway" pitchFamily="2" charset="0"/>
               </a:rPr>
@@ -4527,805 +5162,13 @@
             </a:r>
             <a:endParaRPr lang="es-CL" sz="1100" b="1" spc="300" dirty="0">
               <a:solidFill>
-                <a:schemeClr val="accent1">
-                  <a:lumMod val="50000"/>
-                </a:schemeClr>
+                <a:srgbClr val="C00000"/>
               </a:solidFill>
               <a:latin typeface="Raleway" pitchFamily="2" charset="0"/>
             </a:endParaRPr>
           </a:p>
         </p:txBody>
       </p:sp>
-      <p:cxnSp>
-        <p:nvCxnSpPr>
-          <p:cNvPr id="14" name="Conector recto de flecha 13">
-            <a:extLst>
-              <a:ext uri="{FF2B5EF4-FFF2-40B4-BE49-F238E27FC236}">
-                <a16:creationId xmlns:a16="http://schemas.microsoft.com/office/drawing/2014/main" id="{B55D24EE-22D2-4F83-A59F-97FEEA34A994}"/>
-              </a:ext>
-            </a:extLst>
-          </p:cNvPr>
-          <p:cNvCxnSpPr>
-            <a:cxnSpLocks/>
-          </p:cNvCxnSpPr>
-          <p:nvPr/>
-        </p:nvCxnSpPr>
-        <p:spPr>
-          <a:xfrm flipV="1">
-            <a:off x="2845430" y="2472269"/>
-            <a:ext cx="2145875" cy="653396"/>
-          </a:xfrm>
-          <a:prstGeom prst="straightConnector1">
-            <a:avLst/>
-          </a:prstGeom>
-          <a:ln w="38100">
-            <a:solidFill>
-              <a:srgbClr val="FF6600"/>
-            </a:solidFill>
-            <a:tailEnd type="triangle"/>
-          </a:ln>
-        </p:spPr>
-        <p:style>
-          <a:lnRef idx="1">
-            <a:schemeClr val="accent1"/>
-          </a:lnRef>
-          <a:fillRef idx="0">
-            <a:schemeClr val="accent1"/>
-          </a:fillRef>
-          <a:effectRef idx="0">
-            <a:schemeClr val="accent1"/>
-          </a:effectRef>
-          <a:fontRef idx="minor">
-            <a:schemeClr val="tx1"/>
-          </a:fontRef>
-        </p:style>
-      </p:cxnSp>
-      <p:cxnSp>
-        <p:nvCxnSpPr>
-          <p:cNvPr id="16" name="Conector recto de flecha 15">
-            <a:extLst>
-              <a:ext uri="{FF2B5EF4-FFF2-40B4-BE49-F238E27FC236}">
-                <a16:creationId xmlns:a16="http://schemas.microsoft.com/office/drawing/2014/main" id="{724C7755-D50E-447E-9038-3EBAC667DDEE}"/>
-              </a:ext>
-            </a:extLst>
-          </p:cNvPr>
-          <p:cNvCxnSpPr>
-            <a:cxnSpLocks/>
-          </p:cNvCxnSpPr>
-          <p:nvPr/>
-        </p:nvCxnSpPr>
-        <p:spPr>
-          <a:xfrm flipH="1" flipV="1">
-            <a:off x="2786631" y="3628590"/>
-            <a:ext cx="2179952" cy="529553"/>
-          </a:xfrm>
-          <a:prstGeom prst="straightConnector1">
-            <a:avLst/>
-          </a:prstGeom>
-          <a:ln w="38100">
-            <a:solidFill>
-              <a:srgbClr val="FF6600"/>
-            </a:solidFill>
-            <a:tailEnd type="triangle"/>
-          </a:ln>
-        </p:spPr>
-        <p:style>
-          <a:lnRef idx="1">
-            <a:schemeClr val="accent1"/>
-          </a:lnRef>
-          <a:fillRef idx="0">
-            <a:schemeClr val="accent1"/>
-          </a:fillRef>
-          <a:effectRef idx="0">
-            <a:schemeClr val="accent1"/>
-          </a:effectRef>
-          <a:fontRef idx="minor">
-            <a:schemeClr val="tx1"/>
-          </a:fontRef>
-        </p:style>
-      </p:cxnSp>
-      <p:cxnSp>
-        <p:nvCxnSpPr>
-          <p:cNvPr id="35" name="Conector recto de flecha 34">
-            <a:extLst>
-              <a:ext uri="{FF2B5EF4-FFF2-40B4-BE49-F238E27FC236}">
-                <a16:creationId xmlns:a16="http://schemas.microsoft.com/office/drawing/2014/main" id="{95AA8D17-BA0A-48A5-910D-C6B8E8A203C0}"/>
-              </a:ext>
-            </a:extLst>
-          </p:cNvPr>
-          <p:cNvCxnSpPr>
-            <a:cxnSpLocks/>
-          </p:cNvCxnSpPr>
-          <p:nvPr/>
-        </p:nvCxnSpPr>
-        <p:spPr>
-          <a:xfrm flipV="1">
-            <a:off x="7060209" y="2429693"/>
-            <a:ext cx="558905" cy="1"/>
-          </a:xfrm>
-          <a:prstGeom prst="straightConnector1">
-            <a:avLst/>
-          </a:prstGeom>
-          <a:ln w="38100">
-            <a:solidFill>
-              <a:srgbClr val="FF6600"/>
-            </a:solidFill>
-            <a:tailEnd type="triangle"/>
-          </a:ln>
-        </p:spPr>
-        <p:style>
-          <a:lnRef idx="1">
-            <a:schemeClr val="accent1"/>
-          </a:lnRef>
-          <a:fillRef idx="0">
-            <a:schemeClr val="accent1"/>
-          </a:fillRef>
-          <a:effectRef idx="0">
-            <a:schemeClr val="accent1"/>
-          </a:effectRef>
-          <a:fontRef idx="minor">
-            <a:schemeClr val="tx1"/>
-          </a:fontRef>
-        </p:style>
-      </p:cxnSp>
-      <p:cxnSp>
-        <p:nvCxnSpPr>
-          <p:cNvPr id="37" name="Conector recto de flecha 36">
-            <a:extLst>
-              <a:ext uri="{FF2B5EF4-FFF2-40B4-BE49-F238E27FC236}">
-                <a16:creationId xmlns:a16="http://schemas.microsoft.com/office/drawing/2014/main" id="{63447596-61F0-4AAC-92E9-C35DBD006592}"/>
-              </a:ext>
-            </a:extLst>
-          </p:cNvPr>
-          <p:cNvCxnSpPr>
-            <a:cxnSpLocks/>
-          </p:cNvCxnSpPr>
-          <p:nvPr/>
-        </p:nvCxnSpPr>
-        <p:spPr>
-          <a:xfrm flipH="1" flipV="1">
-            <a:off x="6980163" y="4238745"/>
-            <a:ext cx="451624" cy="1"/>
-          </a:xfrm>
-          <a:prstGeom prst="straightConnector1">
-            <a:avLst/>
-          </a:prstGeom>
-          <a:ln w="38100">
-            <a:solidFill>
-              <a:srgbClr val="FF6600"/>
-            </a:solidFill>
-            <a:tailEnd type="triangle"/>
-          </a:ln>
-        </p:spPr>
-        <p:style>
-          <a:lnRef idx="1">
-            <a:schemeClr val="accent1"/>
-          </a:lnRef>
-          <a:fillRef idx="0">
-            <a:schemeClr val="accent1"/>
-          </a:fillRef>
-          <a:effectRef idx="0">
-            <a:schemeClr val="accent1"/>
-          </a:effectRef>
-          <a:fontRef idx="minor">
-            <a:schemeClr val="tx1"/>
-          </a:fontRef>
-        </p:style>
-      </p:cxnSp>
-      <p:cxnSp>
-        <p:nvCxnSpPr>
-          <p:cNvPr id="39" name="Conector recto de flecha 38">
-            <a:extLst>
-              <a:ext uri="{FF2B5EF4-FFF2-40B4-BE49-F238E27FC236}">
-                <a16:creationId xmlns:a16="http://schemas.microsoft.com/office/drawing/2014/main" id="{C73199DD-5CBF-4109-9438-8CCD633ADDB5}"/>
-              </a:ext>
-            </a:extLst>
-          </p:cNvPr>
-          <p:cNvCxnSpPr>
-            <a:cxnSpLocks/>
-          </p:cNvCxnSpPr>
-          <p:nvPr/>
-        </p:nvCxnSpPr>
-        <p:spPr>
-          <a:xfrm flipH="1" flipV="1">
-            <a:off x="9346221" y="4160128"/>
-            <a:ext cx="416858" cy="2836"/>
-          </a:xfrm>
-          <a:prstGeom prst="straightConnector1">
-            <a:avLst/>
-          </a:prstGeom>
-          <a:ln w="38100">
-            <a:solidFill>
-              <a:srgbClr val="FF6600"/>
-            </a:solidFill>
-            <a:headEnd type="triangle" w="med" len="med"/>
-            <a:tailEnd type="triangle" w="med" len="med"/>
-          </a:ln>
-        </p:spPr>
-        <p:style>
-          <a:lnRef idx="1">
-            <a:schemeClr val="accent1"/>
-          </a:lnRef>
-          <a:fillRef idx="0">
-            <a:schemeClr val="accent1"/>
-          </a:fillRef>
-          <a:effectRef idx="0">
-            <a:schemeClr val="accent1"/>
-          </a:effectRef>
-          <a:fontRef idx="minor">
-            <a:schemeClr val="tx1"/>
-          </a:fontRef>
-        </p:style>
-      </p:cxnSp>
-      <p:cxnSp>
-        <p:nvCxnSpPr>
-          <p:cNvPr id="48" name="Conector recto de flecha 47">
-            <a:extLst>
-              <a:ext uri="{FF2B5EF4-FFF2-40B4-BE49-F238E27FC236}">
-                <a16:creationId xmlns:a16="http://schemas.microsoft.com/office/drawing/2014/main" id="{A556D07F-0B54-48A1-9F89-339BC1D7C3EE}"/>
-              </a:ext>
-            </a:extLst>
-          </p:cNvPr>
-          <p:cNvCxnSpPr>
-            <a:cxnSpLocks/>
-          </p:cNvCxnSpPr>
-          <p:nvPr/>
-        </p:nvCxnSpPr>
-        <p:spPr>
-          <a:xfrm flipV="1">
-            <a:off x="10166171" y="3125665"/>
-            <a:ext cx="0" cy="615666"/>
-          </a:xfrm>
-          <a:prstGeom prst="straightConnector1">
-            <a:avLst/>
-          </a:prstGeom>
-          <a:ln w="38100">
-            <a:solidFill>
-              <a:srgbClr val="FF6600"/>
-            </a:solidFill>
-            <a:headEnd type="triangle" w="med" len="med"/>
-            <a:tailEnd type="triangle" w="med" len="med"/>
-          </a:ln>
-        </p:spPr>
-        <p:style>
-          <a:lnRef idx="1">
-            <a:schemeClr val="accent1"/>
-          </a:lnRef>
-          <a:fillRef idx="0">
-            <a:schemeClr val="accent1"/>
-          </a:fillRef>
-          <a:effectRef idx="0">
-            <a:schemeClr val="accent1"/>
-          </a:effectRef>
-          <a:fontRef idx="minor">
-            <a:schemeClr val="tx1"/>
-          </a:fontRef>
-        </p:style>
-      </p:cxnSp>
-      <p:pic>
-        <p:nvPicPr>
-          <p:cNvPr id="1036" name="Picture 12" descr="Logo Docker PNG transparente - StickPNG">
-            <a:extLst>
-              <a:ext uri="{FF2B5EF4-FFF2-40B4-BE49-F238E27FC236}">
-                <a16:creationId xmlns:a16="http://schemas.microsoft.com/office/drawing/2014/main" id="{05D56BDE-9B04-4A09-9D53-56A5B2A29BAB}"/>
-              </a:ext>
-            </a:extLst>
-          </p:cNvPr>
-          <p:cNvPicPr>
-            <a:picLocks noChangeAspect="1" noChangeArrowheads="1"/>
-          </p:cNvPicPr>
-          <p:nvPr/>
-        </p:nvPicPr>
-        <p:blipFill>
-          <a:blip r:embed="rId6">
-            <a:alphaModFix/>
-            <a:duotone>
-              <a:schemeClr val="accent5">
-                <a:shade val="45000"/>
-                <a:satMod val="135000"/>
-              </a:schemeClr>
-              <a:prstClr val="white"/>
-            </a:duotone>
-            <a:extLst>
-              <a:ext uri="{BEBA8EAE-BF5A-486C-A8C5-ECC9F3942E4B}">
-                <a14:imgProps xmlns:a14="http://schemas.microsoft.com/office/drawing/2010/main">
-                  <a14:imgLayer r:embed="rId7">
-                    <a14:imgEffect>
-                      <a14:colorTemperature colorTemp="1500"/>
-                    </a14:imgEffect>
-                    <a14:imgEffect>
-                      <a14:saturation sat="330000"/>
-                    </a14:imgEffect>
-                    <a14:imgEffect>
-                      <a14:brightnessContrast bright="-40000" contrast="-40000"/>
-                    </a14:imgEffect>
-                  </a14:imgLayer>
-                </a14:imgProps>
-              </a:ext>
-              <a:ext uri="{28A0092B-C50C-407E-A947-70E740481C1C}">
-                <a14:useLocalDpi xmlns:a14="http://schemas.microsoft.com/office/drawing/2010/main" val="0"/>
-              </a:ext>
-            </a:extLst>
-          </a:blip>
-          <a:srcRect/>
-          <a:stretch>
-            <a:fillRect/>
-          </a:stretch>
-        </p:blipFill>
-        <p:spPr bwMode="auto">
-          <a:xfrm>
-            <a:off x="4422807" y="1041215"/>
-            <a:ext cx="1010846" cy="886221"/>
-          </a:xfrm>
-          <a:prstGeom prst="rect">
-            <a:avLst/>
-          </a:prstGeom>
-          <a:noFill/>
-          <a:extLst>
-            <a:ext uri="{909E8E84-426E-40DD-AFC4-6F175D3DCCD1}">
-              <a14:hiddenFill xmlns:a14="http://schemas.microsoft.com/office/drawing/2010/main">
-                <a:solidFill>
-                  <a:srgbClr val="FFFFFF"/>
-                </a:solidFill>
-              </a14:hiddenFill>
-            </a:ext>
-          </a:extLst>
-        </p:spPr>
-      </p:pic>
-      <p:sp>
-        <p:nvSpPr>
-          <p:cNvPr id="67" name="CuadroTexto 66">
-            <a:extLst>
-              <a:ext uri="{FF2B5EF4-FFF2-40B4-BE49-F238E27FC236}">
-                <a16:creationId xmlns:a16="http://schemas.microsoft.com/office/drawing/2014/main" id="{D4F461AF-D2F9-488B-BDF0-8D8E70320BDB}"/>
-              </a:ext>
-            </a:extLst>
-          </p:cNvPr>
-          <p:cNvSpPr txBox="1"/>
-          <p:nvPr/>
-        </p:nvSpPr>
-        <p:spPr>
-          <a:xfrm>
-            <a:off x="2913755" y="3961745"/>
-            <a:ext cx="1242663" cy="276999"/>
-          </a:xfrm>
-          <a:prstGeom prst="rect">
-            <a:avLst/>
-          </a:prstGeom>
-          <a:noFill/>
-          <a:ln>
-            <a:noFill/>
-          </a:ln>
-        </p:spPr>
-        <p:txBody>
-          <a:bodyPr wrap="square">
-            <a:spAutoFit/>
-          </a:bodyPr>
-          <a:lstStyle/>
-          <a:p>
-            <a:pPr algn="ctr"/>
-            <a:r>
-              <a:rPr lang="es-ES" sz="1200" b="1" spc="300" dirty="0">
-                <a:solidFill>
-                  <a:srgbClr val="FF6600"/>
-                </a:solidFill>
-                <a:latin typeface="Raleway" pitchFamily="2" charset="0"/>
-              </a:rPr>
-              <a:t>ESCRIBE</a:t>
-            </a:r>
-            <a:endParaRPr lang="es-CL" sz="1200" dirty="0">
-              <a:solidFill>
-                <a:srgbClr val="FF6600"/>
-              </a:solidFill>
-            </a:endParaRPr>
-          </a:p>
-        </p:txBody>
-      </p:sp>
-      <p:sp>
-        <p:nvSpPr>
-          <p:cNvPr id="68" name="CuadroTexto 67">
-            <a:extLst>
-              <a:ext uri="{FF2B5EF4-FFF2-40B4-BE49-F238E27FC236}">
-                <a16:creationId xmlns:a16="http://schemas.microsoft.com/office/drawing/2014/main" id="{9F8AC7F3-E0AE-43AF-8C15-504DCBD3F066}"/>
-              </a:ext>
-            </a:extLst>
-          </p:cNvPr>
-          <p:cNvSpPr txBox="1"/>
-          <p:nvPr/>
-        </p:nvSpPr>
-        <p:spPr>
-          <a:xfrm>
-            <a:off x="3095914" y="2577345"/>
-            <a:ext cx="718809" cy="276999"/>
-          </a:xfrm>
-          <a:prstGeom prst="rect">
-            <a:avLst/>
-          </a:prstGeom>
-          <a:noFill/>
-          <a:ln>
-            <a:noFill/>
-          </a:ln>
-        </p:spPr>
-        <p:txBody>
-          <a:bodyPr wrap="square">
-            <a:spAutoFit/>
-          </a:bodyPr>
-          <a:lstStyle/>
-          <a:p>
-            <a:pPr algn="ctr"/>
-            <a:r>
-              <a:rPr lang="es-ES" sz="1200" b="1" spc="300" dirty="0">
-                <a:solidFill>
-                  <a:srgbClr val="FF6600"/>
-                </a:solidFill>
-                <a:latin typeface="Raleway" pitchFamily="2" charset="0"/>
-              </a:rPr>
-              <a:t>LEE</a:t>
-            </a:r>
-            <a:endParaRPr lang="es-CL" sz="1200" dirty="0">
-              <a:solidFill>
-                <a:srgbClr val="FF6600"/>
-              </a:solidFill>
-            </a:endParaRPr>
-          </a:p>
-        </p:txBody>
-      </p:sp>
-      <p:sp>
-        <p:nvSpPr>
-          <p:cNvPr id="72" name="CuadroTexto 71">
-            <a:extLst>
-              <a:ext uri="{FF2B5EF4-FFF2-40B4-BE49-F238E27FC236}">
-                <a16:creationId xmlns:a16="http://schemas.microsoft.com/office/drawing/2014/main" id="{9D6847A6-1CF7-41BF-9DB2-81200FCF67B2}"/>
-              </a:ext>
-            </a:extLst>
-          </p:cNvPr>
-          <p:cNvSpPr txBox="1"/>
-          <p:nvPr/>
-        </p:nvSpPr>
-        <p:spPr>
-          <a:xfrm>
-            <a:off x="5993385" y="1764343"/>
-            <a:ext cx="1529928" cy="276999"/>
-          </a:xfrm>
-          <a:prstGeom prst="rect">
-            <a:avLst/>
-          </a:prstGeom>
-          <a:noFill/>
-          <a:ln>
-            <a:noFill/>
-          </a:ln>
-        </p:spPr>
-        <p:txBody>
-          <a:bodyPr wrap="square">
-            <a:spAutoFit/>
-          </a:bodyPr>
-          <a:lstStyle/>
-          <a:p>
-            <a:pPr algn="ctr"/>
-            <a:r>
-              <a:rPr lang="es-ES" sz="1200" b="1" spc="300" dirty="0">
-                <a:solidFill>
-                  <a:srgbClr val="FF6600"/>
-                </a:solidFill>
-                <a:latin typeface="Raleway" pitchFamily="2" charset="0"/>
-              </a:rPr>
-              <a:t>PRODUCTOR</a:t>
-            </a:r>
-            <a:endParaRPr lang="es-CL" sz="1200" dirty="0">
-              <a:solidFill>
-                <a:srgbClr val="FF6600"/>
-              </a:solidFill>
-            </a:endParaRPr>
-          </a:p>
-        </p:txBody>
-      </p:sp>
-      <p:sp>
-        <p:nvSpPr>
-          <p:cNvPr id="73" name="CuadroTexto 72">
-            <a:extLst>
-              <a:ext uri="{FF2B5EF4-FFF2-40B4-BE49-F238E27FC236}">
-                <a16:creationId xmlns:a16="http://schemas.microsoft.com/office/drawing/2014/main" id="{6B88A365-DA52-4000-92F7-B55DAAAA8AF4}"/>
-              </a:ext>
-            </a:extLst>
-          </p:cNvPr>
-          <p:cNvSpPr txBox="1"/>
-          <p:nvPr/>
-        </p:nvSpPr>
-        <p:spPr>
-          <a:xfrm>
-            <a:off x="5833967" y="3651289"/>
-            <a:ext cx="1694875" cy="276999"/>
-          </a:xfrm>
-          <a:prstGeom prst="rect">
-            <a:avLst/>
-          </a:prstGeom>
-          <a:noFill/>
-          <a:ln>
-            <a:noFill/>
-          </a:ln>
-        </p:spPr>
-        <p:txBody>
-          <a:bodyPr wrap="square">
-            <a:spAutoFit/>
-          </a:bodyPr>
-          <a:lstStyle/>
-          <a:p>
-            <a:pPr algn="ctr"/>
-            <a:r>
-              <a:rPr lang="es-ES" sz="1200" b="1" spc="300" dirty="0">
-                <a:solidFill>
-                  <a:srgbClr val="FF6600"/>
-                </a:solidFill>
-                <a:latin typeface="Raleway" pitchFamily="2" charset="0"/>
-              </a:rPr>
-              <a:t>CONSUMIDOR</a:t>
-            </a:r>
-            <a:endParaRPr lang="es-CL" sz="1200" dirty="0">
-              <a:solidFill>
-                <a:srgbClr val="FF6600"/>
-              </a:solidFill>
-            </a:endParaRPr>
-          </a:p>
-        </p:txBody>
-      </p:sp>
-      <p:sp>
-        <p:nvSpPr>
-          <p:cNvPr id="74" name="CuadroTexto 73">
-            <a:extLst>
-              <a:ext uri="{FF2B5EF4-FFF2-40B4-BE49-F238E27FC236}">
-                <a16:creationId xmlns:a16="http://schemas.microsoft.com/office/drawing/2014/main" id="{81486DEB-173C-4349-A06C-B6840EA4F99D}"/>
-              </a:ext>
-            </a:extLst>
-          </p:cNvPr>
-          <p:cNvSpPr txBox="1"/>
-          <p:nvPr/>
-        </p:nvSpPr>
-        <p:spPr>
-          <a:xfrm>
-            <a:off x="8729753" y="3805709"/>
-            <a:ext cx="1694875" cy="276999"/>
-          </a:xfrm>
-          <a:prstGeom prst="rect">
-            <a:avLst/>
-          </a:prstGeom>
-          <a:noFill/>
-          <a:ln>
-            <a:noFill/>
-          </a:ln>
-        </p:spPr>
-        <p:txBody>
-          <a:bodyPr wrap="square">
-            <a:spAutoFit/>
-          </a:bodyPr>
-          <a:lstStyle/>
-          <a:p>
-            <a:pPr algn="ctr"/>
-            <a:r>
-              <a:rPr lang="es-ES" sz="1200" b="1" spc="300" dirty="0">
-                <a:solidFill>
-                  <a:srgbClr val="FF6600"/>
-                </a:solidFill>
-                <a:latin typeface="Raleway" pitchFamily="2" charset="0"/>
-              </a:rPr>
-              <a:t>CONSUMIDOR</a:t>
-            </a:r>
-            <a:endParaRPr lang="es-CL" sz="1200" dirty="0">
-              <a:solidFill>
-                <a:srgbClr val="FF6600"/>
-              </a:solidFill>
-            </a:endParaRPr>
-          </a:p>
-        </p:txBody>
-      </p:sp>
-      <p:sp>
-        <p:nvSpPr>
-          <p:cNvPr id="75" name="CuadroTexto 74">
-            <a:extLst>
-              <a:ext uri="{FF2B5EF4-FFF2-40B4-BE49-F238E27FC236}">
-                <a16:creationId xmlns:a16="http://schemas.microsoft.com/office/drawing/2014/main" id="{B677F5DD-005E-41A7-94DE-B58E62AC69FB}"/>
-              </a:ext>
-            </a:extLst>
-          </p:cNvPr>
-          <p:cNvSpPr txBox="1"/>
-          <p:nvPr/>
-        </p:nvSpPr>
-        <p:spPr>
-          <a:xfrm>
-            <a:off x="8799555" y="4263759"/>
-            <a:ext cx="1529928" cy="276999"/>
-          </a:xfrm>
-          <a:prstGeom prst="rect">
-            <a:avLst/>
-          </a:prstGeom>
-          <a:noFill/>
-          <a:ln>
-            <a:noFill/>
-          </a:ln>
-        </p:spPr>
-        <p:txBody>
-          <a:bodyPr wrap="square">
-            <a:spAutoFit/>
-          </a:bodyPr>
-          <a:lstStyle/>
-          <a:p>
-            <a:pPr algn="ctr"/>
-            <a:r>
-              <a:rPr lang="es-ES" sz="1200" b="1" spc="300" dirty="0">
-                <a:solidFill>
-                  <a:srgbClr val="FF6600"/>
-                </a:solidFill>
-                <a:latin typeface="Raleway" pitchFamily="2" charset="0"/>
-              </a:rPr>
-              <a:t>PRODUCTOR</a:t>
-            </a:r>
-            <a:endParaRPr lang="es-CL" sz="1200" dirty="0">
-              <a:solidFill>
-                <a:srgbClr val="FF6600"/>
-              </a:solidFill>
-            </a:endParaRPr>
-          </a:p>
-        </p:txBody>
-      </p:sp>
-      <p:sp>
-        <p:nvSpPr>
-          <p:cNvPr id="76" name="CuadroTexto 75">
-            <a:extLst>
-              <a:ext uri="{FF2B5EF4-FFF2-40B4-BE49-F238E27FC236}">
-                <a16:creationId xmlns:a16="http://schemas.microsoft.com/office/drawing/2014/main" id="{5A352C9E-2642-4F49-81E6-BF8597C24050}"/>
-              </a:ext>
-            </a:extLst>
-          </p:cNvPr>
-          <p:cNvSpPr txBox="1"/>
-          <p:nvPr/>
-        </p:nvSpPr>
-        <p:spPr>
-          <a:xfrm>
-            <a:off x="10091887" y="3218631"/>
-            <a:ext cx="1694875" cy="461665"/>
-          </a:xfrm>
-          <a:prstGeom prst="rect">
-            <a:avLst/>
-          </a:prstGeom>
-          <a:noFill/>
-          <a:ln>
-            <a:noFill/>
-          </a:ln>
-        </p:spPr>
-        <p:txBody>
-          <a:bodyPr wrap="square">
-            <a:spAutoFit/>
-          </a:bodyPr>
-          <a:lstStyle/>
-          <a:p>
-            <a:pPr algn="ctr"/>
-            <a:r>
-              <a:rPr lang="es-ES" sz="1200" b="1" spc="300" dirty="0">
-                <a:solidFill>
-                  <a:srgbClr val="FF6600"/>
-                </a:solidFill>
-                <a:latin typeface="Raleway" pitchFamily="2" charset="0"/>
-              </a:rPr>
-              <a:t>CONSULTA/  PETICIÓN </a:t>
-            </a:r>
-            <a:endParaRPr lang="es-CL" sz="1200" dirty="0">
-              <a:solidFill>
-                <a:srgbClr val="FF6600"/>
-              </a:solidFill>
-            </a:endParaRPr>
-          </a:p>
-        </p:txBody>
-      </p:sp>
-      <p:sp>
-        <p:nvSpPr>
-          <p:cNvPr id="36" name="CuadroTexto 35">
-            <a:extLst>
-              <a:ext uri="{FF2B5EF4-FFF2-40B4-BE49-F238E27FC236}">
-                <a16:creationId xmlns:a16="http://schemas.microsoft.com/office/drawing/2014/main" id="{0CA5E674-C61F-49CC-8840-B6A9D76C8FC9}"/>
-              </a:ext>
-            </a:extLst>
-          </p:cNvPr>
-          <p:cNvSpPr txBox="1"/>
-          <p:nvPr/>
-        </p:nvSpPr>
-        <p:spPr>
-          <a:xfrm>
-            <a:off x="9649472" y="1125734"/>
-            <a:ext cx="1890519" cy="430887"/>
-          </a:xfrm>
-          <a:prstGeom prst="rect">
-            <a:avLst/>
-          </a:prstGeom>
-          <a:noFill/>
-        </p:spPr>
-        <p:txBody>
-          <a:bodyPr wrap="square">
-            <a:spAutoFit/>
-          </a:bodyPr>
-          <a:lstStyle/>
-          <a:p>
-            <a:pPr algn="ctr"/>
-            <a:r>
-              <a:rPr lang="es-ES" sz="1050" b="1" spc="300" dirty="0">
-                <a:solidFill>
-                  <a:srgbClr val="2F5597"/>
-                </a:solidFill>
-                <a:latin typeface="Raleway" pitchFamily="2" charset="0"/>
-              </a:rPr>
-              <a:t>BASE DE DATOS</a:t>
-            </a:r>
-          </a:p>
-          <a:p>
-            <a:pPr algn="ctr"/>
-            <a:r>
-              <a:rPr lang="es-ES" sz="1050" spc="300" dirty="0">
-                <a:solidFill>
-                  <a:srgbClr val="2F5597"/>
-                </a:solidFill>
-                <a:latin typeface="Raleway" pitchFamily="2" charset="0"/>
-              </a:rPr>
-              <a:t>SlackDatabase</a:t>
-            </a:r>
-            <a:endParaRPr lang="es-CL" sz="1050" spc="300" dirty="0">
-              <a:solidFill>
-                <a:srgbClr val="2F5597"/>
-              </a:solidFill>
-              <a:latin typeface="Raleway" pitchFamily="2" charset="0"/>
-            </a:endParaRPr>
-          </a:p>
-        </p:txBody>
-      </p:sp>
-      <p:pic>
-        <p:nvPicPr>
-          <p:cNvPr id="5" name="Picture 4" descr="Flask (web framework) - Wikipedia">
-            <a:extLst>
-              <a:ext uri="{FF2B5EF4-FFF2-40B4-BE49-F238E27FC236}">
-                <a16:creationId xmlns:a16="http://schemas.microsoft.com/office/drawing/2014/main" id="{C01D9B45-6A7C-44F5-B6F7-436A1F01ACDD}"/>
-              </a:ext>
-            </a:extLst>
-          </p:cNvPr>
-          <p:cNvPicPr>
-            <a:picLocks noChangeAspect="1" noChangeArrowheads="1"/>
-          </p:cNvPicPr>
-          <p:nvPr/>
-        </p:nvPicPr>
-        <p:blipFill rotWithShape="1">
-          <a:blip r:embed="rId8">
-            <a:duotone>
-              <a:schemeClr val="accent2">
-                <a:shade val="45000"/>
-                <a:satMod val="135000"/>
-              </a:schemeClr>
-              <a:prstClr val="white"/>
-            </a:duotone>
-            <a:extLst>
-              <a:ext uri="{28A0092B-C50C-407E-A947-70E740481C1C}">
-                <a14:useLocalDpi xmlns:a14="http://schemas.microsoft.com/office/drawing/2010/main" val="0"/>
-              </a:ext>
-            </a:extLst>
-          </a:blip>
-          <a:srcRect r="-4429"/>
-          <a:stretch/>
-        </p:blipFill>
-        <p:spPr bwMode="auto">
-          <a:xfrm>
-            <a:off x="5812854" y="2324983"/>
-            <a:ext cx="583657" cy="218904"/>
-          </a:xfrm>
-          <a:prstGeom prst="rect">
-            <a:avLst/>
-          </a:prstGeom>
-          <a:noFill/>
-          <a:extLst>
-            <a:ext uri="{909E8E84-426E-40DD-AFC4-6F175D3DCCD1}">
-              <a14:hiddenFill xmlns:a14="http://schemas.microsoft.com/office/drawing/2010/main">
-                <a:solidFill>
-                  <a:srgbClr val="FFFFFF"/>
-                </a:solidFill>
-              </a14:hiddenFill>
-            </a:ext>
-          </a:extLst>
-        </p:spPr>
-      </p:pic>
     </p:spTree>
     <p:extLst>
       <p:ext uri="{BB962C8B-B14F-4D97-AF65-F5344CB8AC3E}">
@@ -7643,156 +7486,6 @@
     <p:extLst>
       <p:ext uri="{BB962C8B-B14F-4D97-AF65-F5344CB8AC3E}">
         <p14:creationId xmlns:p14="http://schemas.microsoft.com/office/powerpoint/2010/main" val="607515317"/>
-      </p:ext>
-    </p:extLst>
-  </p:cSld>
-  <p:clrMapOvr>
-    <a:masterClrMapping/>
-  </p:clrMapOvr>
-</p:sld>
-</file>
-
-<file path=ppt/slides/slide3.xml><?xml version="1.0" encoding="utf-8"?>
-<p:sld xmlns:a="http://schemas.openxmlformats.org/drawingml/2006/main" xmlns:r="http://schemas.openxmlformats.org/officeDocument/2006/relationships" xmlns:p="http://schemas.openxmlformats.org/presentationml/2006/main">
-  <p:cSld>
-    <p:spTree>
-      <p:nvGrpSpPr>
-        <p:cNvPr id="1" name=""/>
-        <p:cNvGrpSpPr/>
-        <p:nvPr/>
-      </p:nvGrpSpPr>
-      <p:grpSpPr>
-        <a:xfrm>
-          <a:off x="0" y="0"/>
-          <a:ext cx="0" cy="0"/>
-          <a:chOff x="0" y="0"/>
-          <a:chExt cx="0" cy="0"/>
-        </a:xfrm>
-      </p:grpSpPr>
-      <p:sp>
-        <p:nvSpPr>
-          <p:cNvPr id="4" name="Rectángulo: esquinas redondeadas 3">
-            <a:extLst>
-              <a:ext uri="{FF2B5EF4-FFF2-40B4-BE49-F238E27FC236}">
-                <a16:creationId xmlns:a16="http://schemas.microsoft.com/office/drawing/2014/main" id="{72816E37-31B2-45F9-A0B3-909204A9D836}"/>
-              </a:ext>
-            </a:extLst>
-          </p:cNvPr>
-          <p:cNvSpPr/>
-          <p:nvPr/>
-        </p:nvSpPr>
-        <p:spPr>
-          <a:xfrm>
-            <a:off x="2655278" y="606670"/>
-            <a:ext cx="2620107" cy="1450729"/>
-          </a:xfrm>
-          <a:prstGeom prst="roundRect">
-            <a:avLst>
-              <a:gd name="adj" fmla="val 3940"/>
-            </a:avLst>
-          </a:prstGeom>
-          <a:solidFill>
-            <a:srgbClr val="4A154B"/>
-          </a:solidFill>
-          <a:ln w="38100">
-            <a:solidFill>
-              <a:srgbClr val="FF6600"/>
-            </a:solidFill>
-          </a:ln>
-        </p:spPr>
-        <p:style>
-          <a:lnRef idx="2">
-            <a:schemeClr val="accent1">
-              <a:shade val="50000"/>
-            </a:schemeClr>
-          </a:lnRef>
-          <a:fillRef idx="1">
-            <a:schemeClr val="accent1"/>
-          </a:fillRef>
-          <a:effectRef idx="0">
-            <a:schemeClr val="accent1"/>
-          </a:effectRef>
-          <a:fontRef idx="minor">
-            <a:schemeClr val="lt1"/>
-          </a:fontRef>
-        </p:style>
-        <p:txBody>
-          <a:bodyPr rtlCol="0" anchor="ctr"/>
-          <a:lstStyle/>
-          <a:p>
-            <a:pPr algn="ctr"/>
-            <a:r>
-              <a:rPr lang="es-ES" dirty="0"/>
-              <a:t>Cuando es para sacar información</a:t>
-            </a:r>
-            <a:endParaRPr lang="es-CL" dirty="0"/>
-          </a:p>
-        </p:txBody>
-      </p:sp>
-      <p:sp>
-        <p:nvSpPr>
-          <p:cNvPr id="5" name="Rectángulo: esquinas redondeadas 4">
-            <a:extLst>
-              <a:ext uri="{FF2B5EF4-FFF2-40B4-BE49-F238E27FC236}">
-                <a16:creationId xmlns:a16="http://schemas.microsoft.com/office/drawing/2014/main" id="{BE016295-5EB4-4399-8596-F3003610D45A}"/>
-              </a:ext>
-            </a:extLst>
-          </p:cNvPr>
-          <p:cNvSpPr/>
-          <p:nvPr/>
-        </p:nvSpPr>
-        <p:spPr>
-          <a:xfrm>
-            <a:off x="6690947" y="606670"/>
-            <a:ext cx="2620107" cy="1450729"/>
-          </a:xfrm>
-          <a:prstGeom prst="roundRect">
-            <a:avLst>
-              <a:gd name="adj" fmla="val 5758"/>
-            </a:avLst>
-          </a:prstGeom>
-          <a:solidFill>
-            <a:srgbClr val="4A154B"/>
-          </a:solidFill>
-          <a:ln w="38100">
-            <a:solidFill>
-              <a:srgbClr val="FF6600"/>
-            </a:solidFill>
-          </a:ln>
-        </p:spPr>
-        <p:style>
-          <a:lnRef idx="2">
-            <a:schemeClr val="accent1">
-              <a:shade val="50000"/>
-            </a:schemeClr>
-          </a:lnRef>
-          <a:fillRef idx="1">
-            <a:schemeClr val="accent1"/>
-          </a:fillRef>
-          <a:effectRef idx="0">
-            <a:schemeClr val="accent1"/>
-          </a:effectRef>
-          <a:fontRef idx="minor">
-            <a:schemeClr val="lt1"/>
-          </a:fontRef>
-        </p:style>
-        <p:txBody>
-          <a:bodyPr rtlCol="0" anchor="ctr"/>
-          <a:lstStyle/>
-          <a:p>
-            <a:pPr algn="ctr"/>
-            <a:r>
-              <a:rPr lang="es-ES" dirty="0"/>
-              <a:t>Cuando es un mensaje normal</a:t>
-            </a:r>
-            <a:endParaRPr lang="es-CL" dirty="0"/>
-          </a:p>
-        </p:txBody>
-      </p:sp>
-    </p:spTree>
-    <p:extLst>
-      <p:ext uri="{BB962C8B-B14F-4D97-AF65-F5344CB8AC3E}">
-        <p14:creationId xmlns:p14="http://schemas.microsoft.com/office/powerpoint/2010/main" val="166015492"/>
       </p:ext>
     </p:extLst>
   </p:cSld>
